--- a/Presentation/neural_ppt.pptx
+++ b/Presentation/neural_ppt.pptx
@@ -23,7 +23,8 @@
     <p:sldId id="268" r:id="rId17"/>
     <p:sldId id="278" r:id="rId18"/>
     <p:sldId id="269" r:id="rId19"/>
-    <p:sldId id="274" r:id="rId20"/>
+    <p:sldId id="279" r:id="rId20"/>
+    <p:sldId id="274" r:id="rId21"/>
   </p:sldIdLst>
   <p:sldSz cx="12192000" cy="6858000"/>
   <p:notesSz cx="6858000" cy="9144000"/>
@@ -124,7 +125,7 @@
   </p:defaultTextStyle>
   <p:extLst>
     <p:ext uri="{EFAFB233-063F-42B5-8137-9DF3F51BA10A}">
-      <p15:sldGuideLst xmlns:p15="http://schemas.microsoft.com/office/powerpoint/2012/main" xmlns="">
+      <p15:sldGuideLst xmlns="" xmlns:p15="http://schemas.microsoft.com/office/powerpoint/2012/main">
         <p15:guide id="1" orient="horz" pos="2160">
           <p15:clr>
             <a:srgbClr val="A4A3A4"/>
@@ -1309,8 +1310,8 @@
     <dgm:cxn modelId="{C17E2180-F770-40CC-84E4-98F76BAB4874}" type="presOf" srcId="{C7407BF7-44CC-4E45-985A-5FF2D7C15695}" destId="{F4A924CE-15D4-4C5D-BF99-DD61A528568D}" srcOrd="0" destOrd="0" presId="urn:microsoft.com/office/officeart/2005/8/layout/vList2"/>
     <dgm:cxn modelId="{C0F100EB-F10D-4E55-96B2-7AB812711A3A}" type="presOf" srcId="{B75DADD2-452D-4A18-81E7-9ADC81F240F1}" destId="{3E9C3229-5B93-4FAD-9FCE-9B037A00CC18}" srcOrd="0" destOrd="0" presId="urn:microsoft.com/office/officeart/2005/8/layout/vList2"/>
     <dgm:cxn modelId="{DC17BCA5-8D61-4913-B98F-407A6631834F}" srcId="{44CAEFAE-6791-42C0-B161-4709ED32704C}" destId="{B75DADD2-452D-4A18-81E7-9ADC81F240F1}" srcOrd="0" destOrd="0" parTransId="{B97B8A40-1D3A-4BF1-930B-4A77E1B16C4D}" sibTransId="{3B9B41FD-3E3E-4D7C-B322-815652BF5EC6}"/>
+    <dgm:cxn modelId="{8484B2BB-8742-46D6-97BB-0DDB29099621}" srcId="{44CAEFAE-6791-42C0-B161-4709ED32704C}" destId="{4B5637A6-470C-4C3D-A0F5-1CF664AE0EEB}" srcOrd="2" destOrd="0" parTransId="{FD521AF3-4B9C-4FCB-B671-E819C0A5BA5A}" sibTransId="{2C5F4A8E-4D12-4909-BDC4-F1382C493613}"/>
     <dgm:cxn modelId="{8BB5E392-943A-4570-9B3D-B5724D838861}" srcId="{44CAEFAE-6791-42C0-B161-4709ED32704C}" destId="{B16AE17C-1C70-4B0B-AD6E-7F35336AED7C}" srcOrd="4" destOrd="0" parTransId="{0A61EB15-2D94-4F39-A1B9-7B03B2E04F46}" sibTransId="{08C9EA4C-CB43-438E-B6DC-B068EDB2D39E}"/>
-    <dgm:cxn modelId="{8484B2BB-8742-46D6-97BB-0DDB29099621}" srcId="{44CAEFAE-6791-42C0-B161-4709ED32704C}" destId="{4B5637A6-470C-4C3D-A0F5-1CF664AE0EEB}" srcOrd="2" destOrd="0" parTransId="{FD521AF3-4B9C-4FCB-B671-E819C0A5BA5A}" sibTransId="{2C5F4A8E-4D12-4909-BDC4-F1382C493613}"/>
     <dgm:cxn modelId="{D407571F-287A-4241-AC8C-C9C1FAE88711}" type="presParOf" srcId="{36CAE8E7-4D3C-4F3C-B603-8280104EA12D}" destId="{3E9C3229-5B93-4FAD-9FCE-9B037A00CC18}" srcOrd="0" destOrd="0" presId="urn:microsoft.com/office/officeart/2005/8/layout/vList2"/>
     <dgm:cxn modelId="{F4CA3812-866E-4311-9857-145BD842E589}" type="presParOf" srcId="{36CAE8E7-4D3C-4F3C-B603-8280104EA12D}" destId="{FFF80F13-601E-4DD2-9D60-51D400E22B3E}" srcOrd="1" destOrd="0" presId="urn:microsoft.com/office/officeart/2005/8/layout/vList2"/>
     <dgm:cxn modelId="{E7335E49-1134-49FE-9FDD-F8B9D4FAF2CE}" type="presParOf" srcId="{36CAE8E7-4D3C-4F3C-B603-8280104EA12D}" destId="{E1EA566E-6BA7-49B2-BAAC-3C7594ADBC97}" srcOrd="2" destOrd="0" presId="urn:microsoft.com/office/officeart/2005/8/layout/vList2"/>
@@ -1327,7 +1328,7 @@
   <dgm:whole/>
   <dgm:extLst>
     <a:ext uri="http://schemas.microsoft.com/office/drawing/2008/diagram">
-      <dsp:dataModelExt xmlns:dsp="http://schemas.microsoft.com/office/drawing/2008/diagram" xmlns="" relId="rId6" minVer="http://schemas.openxmlformats.org/drawingml/2006/diagram"/>
+      <dsp:dataModelExt xmlns="" xmlns:dsp="http://schemas.microsoft.com/office/drawing/2008/diagram" relId="rId6" minVer="http://schemas.openxmlformats.org/drawingml/2006/diagram"/>
     </a:ext>
   </dgm:extLst>
 </dgm:dataModel>
@@ -3076,7 +3077,7 @@
           <p:cNvPr id="2" name="Title 1">
             <a:extLst>
               <a:ext uri="{FF2B5EF4-FFF2-40B4-BE49-F238E27FC236}">
-                <a16:creationId xmlns:a16="http://schemas.microsoft.com/office/drawing/2014/main" xmlns="" id="{815ABA31-A7D2-C5B6-9724-12D7749FACD3}"/>
+                <a16:creationId xmlns="" xmlns:a16="http://schemas.microsoft.com/office/drawing/2014/main" id="{815ABA31-A7D2-C5B6-9724-12D7749FACD3}"/>
               </a:ext>
             </a:extLst>
           </p:cNvPr>
@@ -3113,7 +3114,7 @@
           <p:cNvPr id="3" name="Subtitle 2">
             <a:extLst>
               <a:ext uri="{FF2B5EF4-FFF2-40B4-BE49-F238E27FC236}">
-                <a16:creationId xmlns:a16="http://schemas.microsoft.com/office/drawing/2014/main" xmlns="" id="{6CA235B0-F2FE-DDB6-1793-657BC65F80A3}"/>
+                <a16:creationId xmlns="" xmlns:a16="http://schemas.microsoft.com/office/drawing/2014/main" id="{6CA235B0-F2FE-DDB6-1793-657BC65F80A3}"/>
               </a:ext>
             </a:extLst>
           </p:cNvPr>
@@ -3183,7 +3184,7 @@
           <p:cNvPr id="4" name="Date Placeholder 3">
             <a:extLst>
               <a:ext uri="{FF2B5EF4-FFF2-40B4-BE49-F238E27FC236}">
-                <a16:creationId xmlns:a16="http://schemas.microsoft.com/office/drawing/2014/main" xmlns="" id="{3E3666E8-0F13-A158-1647-64BC8CC132CB}"/>
+                <a16:creationId xmlns="" xmlns:a16="http://schemas.microsoft.com/office/drawing/2014/main" id="{3E3666E8-0F13-A158-1647-64BC8CC132CB}"/>
               </a:ext>
             </a:extLst>
           </p:cNvPr>
@@ -3213,7 +3214,7 @@
           <p:cNvPr id="5" name="Footer Placeholder 4">
             <a:extLst>
               <a:ext uri="{FF2B5EF4-FFF2-40B4-BE49-F238E27FC236}">
-                <a16:creationId xmlns:a16="http://schemas.microsoft.com/office/drawing/2014/main" xmlns="" id="{33E79F7F-E384-6402-1814-8351CFC18555}"/>
+                <a16:creationId xmlns="" xmlns:a16="http://schemas.microsoft.com/office/drawing/2014/main" id="{33E79F7F-E384-6402-1814-8351CFC18555}"/>
               </a:ext>
             </a:extLst>
           </p:cNvPr>
@@ -3238,7 +3239,7 @@
           <p:cNvPr id="6" name="Slide Number Placeholder 5">
             <a:extLst>
               <a:ext uri="{FF2B5EF4-FFF2-40B4-BE49-F238E27FC236}">
-                <a16:creationId xmlns:a16="http://schemas.microsoft.com/office/drawing/2014/main" xmlns="" id="{22E11647-F88C-C76E-95A9-F29CF53BCED2}"/>
+                <a16:creationId xmlns="" xmlns:a16="http://schemas.microsoft.com/office/drawing/2014/main" id="{22E11647-F88C-C76E-95A9-F29CF53BCED2}"/>
               </a:ext>
             </a:extLst>
           </p:cNvPr>
@@ -3266,7 +3267,7 @@
     </p:spTree>
     <p:extLst>
       <p:ext uri="{BB962C8B-B14F-4D97-AF65-F5344CB8AC3E}">
-        <p14:creationId xmlns:p14="http://schemas.microsoft.com/office/powerpoint/2010/main" xmlns="" val="3684374316"/>
+        <p14:creationId xmlns="" xmlns:p14="http://schemas.microsoft.com/office/powerpoint/2010/main" val="3684374316"/>
       </p:ext>
     </p:extLst>
   </p:cSld>
@@ -3298,7 +3299,7 @@
           <p:cNvPr id="2" name="Title 1">
             <a:extLst>
               <a:ext uri="{FF2B5EF4-FFF2-40B4-BE49-F238E27FC236}">
-                <a16:creationId xmlns:a16="http://schemas.microsoft.com/office/drawing/2014/main" xmlns="" id="{FD59515D-8394-65D9-659B-180BC7CAF9C9}"/>
+                <a16:creationId xmlns="" xmlns:a16="http://schemas.microsoft.com/office/drawing/2014/main" id="{FD59515D-8394-65D9-659B-180BC7CAF9C9}"/>
               </a:ext>
             </a:extLst>
           </p:cNvPr>
@@ -3326,7 +3327,7 @@
           <p:cNvPr id="3" name="Vertical Text Placeholder 2">
             <a:extLst>
               <a:ext uri="{FF2B5EF4-FFF2-40B4-BE49-F238E27FC236}">
-                <a16:creationId xmlns:a16="http://schemas.microsoft.com/office/drawing/2014/main" xmlns="" id="{229F53C3-041C-191C-AAAE-7AAC64C77174}"/>
+                <a16:creationId xmlns="" xmlns:a16="http://schemas.microsoft.com/office/drawing/2014/main" id="{229F53C3-041C-191C-AAAE-7AAC64C77174}"/>
               </a:ext>
             </a:extLst>
           </p:cNvPr>
@@ -3383,7 +3384,7 @@
           <p:cNvPr id="4" name="Date Placeholder 3">
             <a:extLst>
               <a:ext uri="{FF2B5EF4-FFF2-40B4-BE49-F238E27FC236}">
-                <a16:creationId xmlns:a16="http://schemas.microsoft.com/office/drawing/2014/main" xmlns="" id="{67992397-CDC4-6049-7565-3CEDB5D318F0}"/>
+                <a16:creationId xmlns="" xmlns:a16="http://schemas.microsoft.com/office/drawing/2014/main" id="{67992397-CDC4-6049-7565-3CEDB5D318F0}"/>
               </a:ext>
             </a:extLst>
           </p:cNvPr>
@@ -3413,7 +3414,7 @@
           <p:cNvPr id="5" name="Footer Placeholder 4">
             <a:extLst>
               <a:ext uri="{FF2B5EF4-FFF2-40B4-BE49-F238E27FC236}">
-                <a16:creationId xmlns:a16="http://schemas.microsoft.com/office/drawing/2014/main" xmlns="" id="{A72AA471-8D9C-9097-5AA4-B9D5665CFD3D}"/>
+                <a16:creationId xmlns="" xmlns:a16="http://schemas.microsoft.com/office/drawing/2014/main" id="{A72AA471-8D9C-9097-5AA4-B9D5665CFD3D}"/>
               </a:ext>
             </a:extLst>
           </p:cNvPr>
@@ -3438,7 +3439,7 @@
           <p:cNvPr id="6" name="Slide Number Placeholder 5">
             <a:extLst>
               <a:ext uri="{FF2B5EF4-FFF2-40B4-BE49-F238E27FC236}">
-                <a16:creationId xmlns:a16="http://schemas.microsoft.com/office/drawing/2014/main" xmlns="" id="{A57E27C3-9155-03CF-7054-46828D1717E8}"/>
+                <a16:creationId xmlns="" xmlns:a16="http://schemas.microsoft.com/office/drawing/2014/main" id="{A57E27C3-9155-03CF-7054-46828D1717E8}"/>
               </a:ext>
             </a:extLst>
           </p:cNvPr>
@@ -3466,7 +3467,7 @@
     </p:spTree>
     <p:extLst>
       <p:ext uri="{BB962C8B-B14F-4D97-AF65-F5344CB8AC3E}">
-        <p14:creationId xmlns:p14="http://schemas.microsoft.com/office/powerpoint/2010/main" xmlns="" val="1262768252"/>
+        <p14:creationId xmlns="" xmlns:p14="http://schemas.microsoft.com/office/powerpoint/2010/main" val="1262768252"/>
       </p:ext>
     </p:extLst>
   </p:cSld>
@@ -3498,7 +3499,7 @@
           <p:cNvPr id="2" name="Vertical Title 1">
             <a:extLst>
               <a:ext uri="{FF2B5EF4-FFF2-40B4-BE49-F238E27FC236}">
-                <a16:creationId xmlns:a16="http://schemas.microsoft.com/office/drawing/2014/main" xmlns="" id="{3EE946D3-A045-D38D-9A19-EBB136791A36}"/>
+                <a16:creationId xmlns="" xmlns:a16="http://schemas.microsoft.com/office/drawing/2014/main" id="{3EE946D3-A045-D38D-9A19-EBB136791A36}"/>
               </a:ext>
             </a:extLst>
           </p:cNvPr>
@@ -3531,7 +3532,7 @@
           <p:cNvPr id="3" name="Vertical Text Placeholder 2">
             <a:extLst>
               <a:ext uri="{FF2B5EF4-FFF2-40B4-BE49-F238E27FC236}">
-                <a16:creationId xmlns:a16="http://schemas.microsoft.com/office/drawing/2014/main" xmlns="" id="{2F317ECB-FAF8-688C-E357-C2E4DD3F0BB7}"/>
+                <a16:creationId xmlns="" xmlns:a16="http://schemas.microsoft.com/office/drawing/2014/main" id="{2F317ECB-FAF8-688C-E357-C2E4DD3F0BB7}"/>
               </a:ext>
             </a:extLst>
           </p:cNvPr>
@@ -3593,7 +3594,7 @@
           <p:cNvPr id="4" name="Date Placeholder 3">
             <a:extLst>
               <a:ext uri="{FF2B5EF4-FFF2-40B4-BE49-F238E27FC236}">
-                <a16:creationId xmlns:a16="http://schemas.microsoft.com/office/drawing/2014/main" xmlns="" id="{F8CA2F9E-D576-B022-7FFE-E76F96656FC4}"/>
+                <a16:creationId xmlns="" xmlns:a16="http://schemas.microsoft.com/office/drawing/2014/main" id="{F8CA2F9E-D576-B022-7FFE-E76F96656FC4}"/>
               </a:ext>
             </a:extLst>
           </p:cNvPr>
@@ -3623,7 +3624,7 @@
           <p:cNvPr id="5" name="Footer Placeholder 4">
             <a:extLst>
               <a:ext uri="{FF2B5EF4-FFF2-40B4-BE49-F238E27FC236}">
-                <a16:creationId xmlns:a16="http://schemas.microsoft.com/office/drawing/2014/main" xmlns="" id="{471E7FFB-E6F1-6ED4-4089-F3ADBEDE6ACF}"/>
+                <a16:creationId xmlns="" xmlns:a16="http://schemas.microsoft.com/office/drawing/2014/main" id="{471E7FFB-E6F1-6ED4-4089-F3ADBEDE6ACF}"/>
               </a:ext>
             </a:extLst>
           </p:cNvPr>
@@ -3648,7 +3649,7 @@
           <p:cNvPr id="6" name="Slide Number Placeholder 5">
             <a:extLst>
               <a:ext uri="{FF2B5EF4-FFF2-40B4-BE49-F238E27FC236}">
-                <a16:creationId xmlns:a16="http://schemas.microsoft.com/office/drawing/2014/main" xmlns="" id="{FA1E7CBD-214A-8A4A-CED3-2C665617EE0C}"/>
+                <a16:creationId xmlns="" xmlns:a16="http://schemas.microsoft.com/office/drawing/2014/main" id="{FA1E7CBD-214A-8A4A-CED3-2C665617EE0C}"/>
               </a:ext>
             </a:extLst>
           </p:cNvPr>
@@ -3676,7 +3677,7 @@
     </p:spTree>
     <p:extLst>
       <p:ext uri="{BB962C8B-B14F-4D97-AF65-F5344CB8AC3E}">
-        <p14:creationId xmlns:p14="http://schemas.microsoft.com/office/powerpoint/2010/main" xmlns="" val="1849576253"/>
+        <p14:creationId xmlns="" xmlns:p14="http://schemas.microsoft.com/office/powerpoint/2010/main" val="1849576253"/>
       </p:ext>
     </p:extLst>
   </p:cSld>
@@ -3708,7 +3709,7 @@
           <p:cNvPr id="2" name="Title 1">
             <a:extLst>
               <a:ext uri="{FF2B5EF4-FFF2-40B4-BE49-F238E27FC236}">
-                <a16:creationId xmlns:a16="http://schemas.microsoft.com/office/drawing/2014/main" xmlns="" id="{DAFBD52D-F9A6-196A-3E79-AB3513C8B8CC}"/>
+                <a16:creationId xmlns="" xmlns:a16="http://schemas.microsoft.com/office/drawing/2014/main" id="{DAFBD52D-F9A6-196A-3E79-AB3513C8B8CC}"/>
               </a:ext>
             </a:extLst>
           </p:cNvPr>
@@ -3736,7 +3737,7 @@
           <p:cNvPr id="3" name="Content Placeholder 2">
             <a:extLst>
               <a:ext uri="{FF2B5EF4-FFF2-40B4-BE49-F238E27FC236}">
-                <a16:creationId xmlns:a16="http://schemas.microsoft.com/office/drawing/2014/main" xmlns="" id="{4017147D-D0FA-3808-14FE-3B1A6E52CAD7}"/>
+                <a16:creationId xmlns="" xmlns:a16="http://schemas.microsoft.com/office/drawing/2014/main" id="{4017147D-D0FA-3808-14FE-3B1A6E52CAD7}"/>
               </a:ext>
             </a:extLst>
           </p:cNvPr>
@@ -3793,7 +3794,7 @@
           <p:cNvPr id="4" name="Date Placeholder 3">
             <a:extLst>
               <a:ext uri="{FF2B5EF4-FFF2-40B4-BE49-F238E27FC236}">
-                <a16:creationId xmlns:a16="http://schemas.microsoft.com/office/drawing/2014/main" xmlns="" id="{12996E69-CC97-8A7C-2444-72E8245842BF}"/>
+                <a16:creationId xmlns="" xmlns:a16="http://schemas.microsoft.com/office/drawing/2014/main" id="{12996E69-CC97-8A7C-2444-72E8245842BF}"/>
               </a:ext>
             </a:extLst>
           </p:cNvPr>
@@ -3823,7 +3824,7 @@
           <p:cNvPr id="5" name="Footer Placeholder 4">
             <a:extLst>
               <a:ext uri="{FF2B5EF4-FFF2-40B4-BE49-F238E27FC236}">
-                <a16:creationId xmlns:a16="http://schemas.microsoft.com/office/drawing/2014/main" xmlns="" id="{907D6C15-3677-E2F8-3E93-BB1810781954}"/>
+                <a16:creationId xmlns="" xmlns:a16="http://schemas.microsoft.com/office/drawing/2014/main" id="{907D6C15-3677-E2F8-3E93-BB1810781954}"/>
               </a:ext>
             </a:extLst>
           </p:cNvPr>
@@ -3848,7 +3849,7 @@
           <p:cNvPr id="6" name="Slide Number Placeholder 5">
             <a:extLst>
               <a:ext uri="{FF2B5EF4-FFF2-40B4-BE49-F238E27FC236}">
-                <a16:creationId xmlns:a16="http://schemas.microsoft.com/office/drawing/2014/main" xmlns="" id="{49570533-64F0-B7A3-B83E-821152370557}"/>
+                <a16:creationId xmlns="" xmlns:a16="http://schemas.microsoft.com/office/drawing/2014/main" id="{49570533-64F0-B7A3-B83E-821152370557}"/>
               </a:ext>
             </a:extLst>
           </p:cNvPr>
@@ -3876,7 +3877,7 @@
     </p:spTree>
     <p:extLst>
       <p:ext uri="{BB962C8B-B14F-4D97-AF65-F5344CB8AC3E}">
-        <p14:creationId xmlns:p14="http://schemas.microsoft.com/office/powerpoint/2010/main" xmlns="" val="2444952490"/>
+        <p14:creationId xmlns="" xmlns:p14="http://schemas.microsoft.com/office/powerpoint/2010/main" val="2444952490"/>
       </p:ext>
     </p:extLst>
   </p:cSld>
@@ -3908,7 +3909,7 @@
           <p:cNvPr id="2" name="Title 1">
             <a:extLst>
               <a:ext uri="{FF2B5EF4-FFF2-40B4-BE49-F238E27FC236}">
-                <a16:creationId xmlns:a16="http://schemas.microsoft.com/office/drawing/2014/main" xmlns="" id="{598695A6-CA8E-3284-A14F-E12C6A2D7AD4}"/>
+                <a16:creationId xmlns="" xmlns:a16="http://schemas.microsoft.com/office/drawing/2014/main" id="{598695A6-CA8E-3284-A14F-E12C6A2D7AD4}"/>
               </a:ext>
             </a:extLst>
           </p:cNvPr>
@@ -3945,7 +3946,7 @@
           <p:cNvPr id="3" name="Text Placeholder 2">
             <a:extLst>
               <a:ext uri="{FF2B5EF4-FFF2-40B4-BE49-F238E27FC236}">
-                <a16:creationId xmlns:a16="http://schemas.microsoft.com/office/drawing/2014/main" xmlns="" id="{9A835A5A-907A-8358-1BCB-52D0D717F4DF}"/>
+                <a16:creationId xmlns="" xmlns:a16="http://schemas.microsoft.com/office/drawing/2014/main" id="{9A835A5A-907A-8358-1BCB-52D0D717F4DF}"/>
               </a:ext>
             </a:extLst>
           </p:cNvPr>
@@ -4070,7 +4071,7 @@
           <p:cNvPr id="4" name="Date Placeholder 3">
             <a:extLst>
               <a:ext uri="{FF2B5EF4-FFF2-40B4-BE49-F238E27FC236}">
-                <a16:creationId xmlns:a16="http://schemas.microsoft.com/office/drawing/2014/main" xmlns="" id="{62C67037-1158-0B3C-1AF5-9E63E2ADE32C}"/>
+                <a16:creationId xmlns="" xmlns:a16="http://schemas.microsoft.com/office/drawing/2014/main" id="{62C67037-1158-0B3C-1AF5-9E63E2ADE32C}"/>
               </a:ext>
             </a:extLst>
           </p:cNvPr>
@@ -4100,7 +4101,7 @@
           <p:cNvPr id="5" name="Footer Placeholder 4">
             <a:extLst>
               <a:ext uri="{FF2B5EF4-FFF2-40B4-BE49-F238E27FC236}">
-                <a16:creationId xmlns:a16="http://schemas.microsoft.com/office/drawing/2014/main" xmlns="" id="{3738FA55-074E-FA88-E870-65E0DE284477}"/>
+                <a16:creationId xmlns="" xmlns:a16="http://schemas.microsoft.com/office/drawing/2014/main" id="{3738FA55-074E-FA88-E870-65E0DE284477}"/>
               </a:ext>
             </a:extLst>
           </p:cNvPr>
@@ -4125,7 +4126,7 @@
           <p:cNvPr id="6" name="Slide Number Placeholder 5">
             <a:extLst>
               <a:ext uri="{FF2B5EF4-FFF2-40B4-BE49-F238E27FC236}">
-                <a16:creationId xmlns:a16="http://schemas.microsoft.com/office/drawing/2014/main" xmlns="" id="{D5DBED93-C238-6EB4-8874-5BDB53A90CA7}"/>
+                <a16:creationId xmlns="" xmlns:a16="http://schemas.microsoft.com/office/drawing/2014/main" id="{D5DBED93-C238-6EB4-8874-5BDB53A90CA7}"/>
               </a:ext>
             </a:extLst>
           </p:cNvPr>
@@ -4153,7 +4154,7 @@
     </p:spTree>
     <p:extLst>
       <p:ext uri="{BB962C8B-B14F-4D97-AF65-F5344CB8AC3E}">
-        <p14:creationId xmlns:p14="http://schemas.microsoft.com/office/powerpoint/2010/main" xmlns="" val="714038574"/>
+        <p14:creationId xmlns="" xmlns:p14="http://schemas.microsoft.com/office/powerpoint/2010/main" val="714038574"/>
       </p:ext>
     </p:extLst>
   </p:cSld>
@@ -4185,7 +4186,7 @@
           <p:cNvPr id="2" name="Title 1">
             <a:extLst>
               <a:ext uri="{FF2B5EF4-FFF2-40B4-BE49-F238E27FC236}">
-                <a16:creationId xmlns:a16="http://schemas.microsoft.com/office/drawing/2014/main" xmlns="" id="{F29D1A39-8775-6C34-C7FC-0CB66083C917}"/>
+                <a16:creationId xmlns="" xmlns:a16="http://schemas.microsoft.com/office/drawing/2014/main" id="{F29D1A39-8775-6C34-C7FC-0CB66083C917}"/>
               </a:ext>
             </a:extLst>
           </p:cNvPr>
@@ -4213,7 +4214,7 @@
           <p:cNvPr id="3" name="Content Placeholder 2">
             <a:extLst>
               <a:ext uri="{FF2B5EF4-FFF2-40B4-BE49-F238E27FC236}">
-                <a16:creationId xmlns:a16="http://schemas.microsoft.com/office/drawing/2014/main" xmlns="" id="{C4CE01FB-4557-80D3-BFFC-EB81566DF0A1}"/>
+                <a16:creationId xmlns="" xmlns:a16="http://schemas.microsoft.com/office/drawing/2014/main" id="{C4CE01FB-4557-80D3-BFFC-EB81566DF0A1}"/>
               </a:ext>
             </a:extLst>
           </p:cNvPr>
@@ -4275,7 +4276,7 @@
           <p:cNvPr id="4" name="Content Placeholder 3">
             <a:extLst>
               <a:ext uri="{FF2B5EF4-FFF2-40B4-BE49-F238E27FC236}">
-                <a16:creationId xmlns:a16="http://schemas.microsoft.com/office/drawing/2014/main" xmlns="" id="{59BEF366-79EE-18DC-4175-07CF910FF7CE}"/>
+                <a16:creationId xmlns="" xmlns:a16="http://schemas.microsoft.com/office/drawing/2014/main" id="{59BEF366-79EE-18DC-4175-07CF910FF7CE}"/>
               </a:ext>
             </a:extLst>
           </p:cNvPr>
@@ -4337,7 +4338,7 @@
           <p:cNvPr id="5" name="Date Placeholder 4">
             <a:extLst>
               <a:ext uri="{FF2B5EF4-FFF2-40B4-BE49-F238E27FC236}">
-                <a16:creationId xmlns:a16="http://schemas.microsoft.com/office/drawing/2014/main" xmlns="" id="{911F8AEF-ACA6-A880-B685-9E16B5FB5881}"/>
+                <a16:creationId xmlns="" xmlns:a16="http://schemas.microsoft.com/office/drawing/2014/main" id="{911F8AEF-ACA6-A880-B685-9E16B5FB5881}"/>
               </a:ext>
             </a:extLst>
           </p:cNvPr>
@@ -4367,7 +4368,7 @@
           <p:cNvPr id="6" name="Footer Placeholder 5">
             <a:extLst>
               <a:ext uri="{FF2B5EF4-FFF2-40B4-BE49-F238E27FC236}">
-                <a16:creationId xmlns:a16="http://schemas.microsoft.com/office/drawing/2014/main" xmlns="" id="{172A35F4-7E2C-35AF-1DD1-42E70A4BB178}"/>
+                <a16:creationId xmlns="" xmlns:a16="http://schemas.microsoft.com/office/drawing/2014/main" id="{172A35F4-7E2C-35AF-1DD1-42E70A4BB178}"/>
               </a:ext>
             </a:extLst>
           </p:cNvPr>
@@ -4392,7 +4393,7 @@
           <p:cNvPr id="7" name="Slide Number Placeholder 6">
             <a:extLst>
               <a:ext uri="{FF2B5EF4-FFF2-40B4-BE49-F238E27FC236}">
-                <a16:creationId xmlns:a16="http://schemas.microsoft.com/office/drawing/2014/main" xmlns="" id="{60AF137E-40C7-7D9F-B8A2-B8744520233B}"/>
+                <a16:creationId xmlns="" xmlns:a16="http://schemas.microsoft.com/office/drawing/2014/main" id="{60AF137E-40C7-7D9F-B8A2-B8744520233B}"/>
               </a:ext>
             </a:extLst>
           </p:cNvPr>
@@ -4420,7 +4421,7 @@
     </p:spTree>
     <p:extLst>
       <p:ext uri="{BB962C8B-B14F-4D97-AF65-F5344CB8AC3E}">
-        <p14:creationId xmlns:p14="http://schemas.microsoft.com/office/powerpoint/2010/main" xmlns="" val="1134849601"/>
+        <p14:creationId xmlns="" xmlns:p14="http://schemas.microsoft.com/office/powerpoint/2010/main" val="1134849601"/>
       </p:ext>
     </p:extLst>
   </p:cSld>
@@ -4452,7 +4453,7 @@
           <p:cNvPr id="2" name="Title 1">
             <a:extLst>
               <a:ext uri="{FF2B5EF4-FFF2-40B4-BE49-F238E27FC236}">
-                <a16:creationId xmlns:a16="http://schemas.microsoft.com/office/drawing/2014/main" xmlns="" id="{D36DF88E-5E64-57E5-1524-9E133C69AA98}"/>
+                <a16:creationId xmlns="" xmlns:a16="http://schemas.microsoft.com/office/drawing/2014/main" id="{D36DF88E-5E64-57E5-1524-9E133C69AA98}"/>
               </a:ext>
             </a:extLst>
           </p:cNvPr>
@@ -4485,7 +4486,7 @@
           <p:cNvPr id="3" name="Text Placeholder 2">
             <a:extLst>
               <a:ext uri="{FF2B5EF4-FFF2-40B4-BE49-F238E27FC236}">
-                <a16:creationId xmlns:a16="http://schemas.microsoft.com/office/drawing/2014/main" xmlns="" id="{61035DD1-2177-A3DD-1D58-5E0B36398F3D}"/>
+                <a16:creationId xmlns="" xmlns:a16="http://schemas.microsoft.com/office/drawing/2014/main" id="{61035DD1-2177-A3DD-1D58-5E0B36398F3D}"/>
               </a:ext>
             </a:extLst>
           </p:cNvPr>
@@ -4556,7 +4557,7 @@
           <p:cNvPr id="4" name="Content Placeholder 3">
             <a:extLst>
               <a:ext uri="{FF2B5EF4-FFF2-40B4-BE49-F238E27FC236}">
-                <a16:creationId xmlns:a16="http://schemas.microsoft.com/office/drawing/2014/main" xmlns="" id="{1D558855-F5F0-8D26-03F6-0074CF432325}"/>
+                <a16:creationId xmlns="" xmlns:a16="http://schemas.microsoft.com/office/drawing/2014/main" id="{1D558855-F5F0-8D26-03F6-0074CF432325}"/>
               </a:ext>
             </a:extLst>
           </p:cNvPr>
@@ -4618,7 +4619,7 @@
           <p:cNvPr id="5" name="Text Placeholder 4">
             <a:extLst>
               <a:ext uri="{FF2B5EF4-FFF2-40B4-BE49-F238E27FC236}">
-                <a16:creationId xmlns:a16="http://schemas.microsoft.com/office/drawing/2014/main" xmlns="" id="{E1DDEBC9-01B9-DFB5-B258-61AB4684828D}"/>
+                <a16:creationId xmlns="" xmlns:a16="http://schemas.microsoft.com/office/drawing/2014/main" id="{E1DDEBC9-01B9-DFB5-B258-61AB4684828D}"/>
               </a:ext>
             </a:extLst>
           </p:cNvPr>
@@ -4689,7 +4690,7 @@
           <p:cNvPr id="6" name="Content Placeholder 5">
             <a:extLst>
               <a:ext uri="{FF2B5EF4-FFF2-40B4-BE49-F238E27FC236}">
-                <a16:creationId xmlns:a16="http://schemas.microsoft.com/office/drawing/2014/main" xmlns="" id="{E8DD18DA-1203-B4A3-D372-40F2277DF4EB}"/>
+                <a16:creationId xmlns="" xmlns:a16="http://schemas.microsoft.com/office/drawing/2014/main" id="{E8DD18DA-1203-B4A3-D372-40F2277DF4EB}"/>
               </a:ext>
             </a:extLst>
           </p:cNvPr>
@@ -4751,7 +4752,7 @@
           <p:cNvPr id="7" name="Date Placeholder 6">
             <a:extLst>
               <a:ext uri="{FF2B5EF4-FFF2-40B4-BE49-F238E27FC236}">
-                <a16:creationId xmlns:a16="http://schemas.microsoft.com/office/drawing/2014/main" xmlns="" id="{760906C5-E9D1-3317-6C7A-983F46C3A5EF}"/>
+                <a16:creationId xmlns="" xmlns:a16="http://schemas.microsoft.com/office/drawing/2014/main" id="{760906C5-E9D1-3317-6C7A-983F46C3A5EF}"/>
               </a:ext>
             </a:extLst>
           </p:cNvPr>
@@ -4781,7 +4782,7 @@
           <p:cNvPr id="8" name="Footer Placeholder 7">
             <a:extLst>
               <a:ext uri="{FF2B5EF4-FFF2-40B4-BE49-F238E27FC236}">
-                <a16:creationId xmlns:a16="http://schemas.microsoft.com/office/drawing/2014/main" xmlns="" id="{A9DDEF77-FF31-CD3D-4D8D-C27D807AC8A1}"/>
+                <a16:creationId xmlns="" xmlns:a16="http://schemas.microsoft.com/office/drawing/2014/main" id="{A9DDEF77-FF31-CD3D-4D8D-C27D807AC8A1}"/>
               </a:ext>
             </a:extLst>
           </p:cNvPr>
@@ -4806,7 +4807,7 @@
           <p:cNvPr id="9" name="Slide Number Placeholder 8">
             <a:extLst>
               <a:ext uri="{FF2B5EF4-FFF2-40B4-BE49-F238E27FC236}">
-                <a16:creationId xmlns:a16="http://schemas.microsoft.com/office/drawing/2014/main" xmlns="" id="{5B90D131-E771-1DE7-A8B4-C65035E297E6}"/>
+                <a16:creationId xmlns="" xmlns:a16="http://schemas.microsoft.com/office/drawing/2014/main" id="{5B90D131-E771-1DE7-A8B4-C65035E297E6}"/>
               </a:ext>
             </a:extLst>
           </p:cNvPr>
@@ -4834,7 +4835,7 @@
     </p:spTree>
     <p:extLst>
       <p:ext uri="{BB962C8B-B14F-4D97-AF65-F5344CB8AC3E}">
-        <p14:creationId xmlns:p14="http://schemas.microsoft.com/office/powerpoint/2010/main" xmlns="" val="1494730852"/>
+        <p14:creationId xmlns="" xmlns:p14="http://schemas.microsoft.com/office/powerpoint/2010/main" val="1494730852"/>
       </p:ext>
     </p:extLst>
   </p:cSld>
@@ -4866,7 +4867,7 @@
           <p:cNvPr id="2" name="Title 1">
             <a:extLst>
               <a:ext uri="{FF2B5EF4-FFF2-40B4-BE49-F238E27FC236}">
-                <a16:creationId xmlns:a16="http://schemas.microsoft.com/office/drawing/2014/main" xmlns="" id="{D9E4EB49-88A3-9495-E79D-3DD9A9020500}"/>
+                <a16:creationId xmlns="" xmlns:a16="http://schemas.microsoft.com/office/drawing/2014/main" id="{D9E4EB49-88A3-9495-E79D-3DD9A9020500}"/>
               </a:ext>
             </a:extLst>
           </p:cNvPr>
@@ -4894,7 +4895,7 @@
           <p:cNvPr id="3" name="Date Placeholder 2">
             <a:extLst>
               <a:ext uri="{FF2B5EF4-FFF2-40B4-BE49-F238E27FC236}">
-                <a16:creationId xmlns:a16="http://schemas.microsoft.com/office/drawing/2014/main" xmlns="" id="{FD79EC4C-DB07-B998-6C34-1B141F54BFEF}"/>
+                <a16:creationId xmlns="" xmlns:a16="http://schemas.microsoft.com/office/drawing/2014/main" id="{FD79EC4C-DB07-B998-6C34-1B141F54BFEF}"/>
               </a:ext>
             </a:extLst>
           </p:cNvPr>
@@ -4924,7 +4925,7 @@
           <p:cNvPr id="4" name="Footer Placeholder 3">
             <a:extLst>
               <a:ext uri="{FF2B5EF4-FFF2-40B4-BE49-F238E27FC236}">
-                <a16:creationId xmlns:a16="http://schemas.microsoft.com/office/drawing/2014/main" xmlns="" id="{A663CE4D-52E2-7A98-875C-1B18079B93CB}"/>
+                <a16:creationId xmlns="" xmlns:a16="http://schemas.microsoft.com/office/drawing/2014/main" id="{A663CE4D-52E2-7A98-875C-1B18079B93CB}"/>
               </a:ext>
             </a:extLst>
           </p:cNvPr>
@@ -4949,7 +4950,7 @@
           <p:cNvPr id="5" name="Slide Number Placeholder 4">
             <a:extLst>
               <a:ext uri="{FF2B5EF4-FFF2-40B4-BE49-F238E27FC236}">
-                <a16:creationId xmlns:a16="http://schemas.microsoft.com/office/drawing/2014/main" xmlns="" id="{121D3AA0-7F96-5394-7BEC-2036ECFDE539}"/>
+                <a16:creationId xmlns="" xmlns:a16="http://schemas.microsoft.com/office/drawing/2014/main" id="{121D3AA0-7F96-5394-7BEC-2036ECFDE539}"/>
               </a:ext>
             </a:extLst>
           </p:cNvPr>
@@ -4977,7 +4978,7 @@
     </p:spTree>
     <p:extLst>
       <p:ext uri="{BB962C8B-B14F-4D97-AF65-F5344CB8AC3E}">
-        <p14:creationId xmlns:p14="http://schemas.microsoft.com/office/powerpoint/2010/main" xmlns="" val="4138727643"/>
+        <p14:creationId xmlns="" xmlns:p14="http://schemas.microsoft.com/office/powerpoint/2010/main" val="4138727643"/>
       </p:ext>
     </p:extLst>
   </p:cSld>
@@ -5009,7 +5010,7 @@
           <p:cNvPr id="2" name="Date Placeholder 1">
             <a:extLst>
               <a:ext uri="{FF2B5EF4-FFF2-40B4-BE49-F238E27FC236}">
-                <a16:creationId xmlns:a16="http://schemas.microsoft.com/office/drawing/2014/main" xmlns="" id="{6AE5BD96-2E83-9CEF-30AB-C156C8A75E4C}"/>
+                <a16:creationId xmlns="" xmlns:a16="http://schemas.microsoft.com/office/drawing/2014/main" id="{6AE5BD96-2E83-9CEF-30AB-C156C8A75E4C}"/>
               </a:ext>
             </a:extLst>
           </p:cNvPr>
@@ -5039,7 +5040,7 @@
           <p:cNvPr id="3" name="Footer Placeholder 2">
             <a:extLst>
               <a:ext uri="{FF2B5EF4-FFF2-40B4-BE49-F238E27FC236}">
-                <a16:creationId xmlns:a16="http://schemas.microsoft.com/office/drawing/2014/main" xmlns="" id="{3C39986F-0ADF-ABF1-1471-9B3FBE0DD901}"/>
+                <a16:creationId xmlns="" xmlns:a16="http://schemas.microsoft.com/office/drawing/2014/main" id="{3C39986F-0ADF-ABF1-1471-9B3FBE0DD901}"/>
               </a:ext>
             </a:extLst>
           </p:cNvPr>
@@ -5064,7 +5065,7 @@
           <p:cNvPr id="4" name="Slide Number Placeholder 3">
             <a:extLst>
               <a:ext uri="{FF2B5EF4-FFF2-40B4-BE49-F238E27FC236}">
-                <a16:creationId xmlns:a16="http://schemas.microsoft.com/office/drawing/2014/main" xmlns="" id="{1D02FB7C-7C78-9FD8-FBB2-F6D7DCE25BFD}"/>
+                <a16:creationId xmlns="" xmlns:a16="http://schemas.microsoft.com/office/drawing/2014/main" id="{1D02FB7C-7C78-9FD8-FBB2-F6D7DCE25BFD}"/>
               </a:ext>
             </a:extLst>
           </p:cNvPr>
@@ -5092,7 +5093,7 @@
     </p:spTree>
     <p:extLst>
       <p:ext uri="{BB962C8B-B14F-4D97-AF65-F5344CB8AC3E}">
-        <p14:creationId xmlns:p14="http://schemas.microsoft.com/office/powerpoint/2010/main" xmlns="" val="4047304451"/>
+        <p14:creationId xmlns="" xmlns:p14="http://schemas.microsoft.com/office/powerpoint/2010/main" val="4047304451"/>
       </p:ext>
     </p:extLst>
   </p:cSld>
@@ -5124,7 +5125,7 @@
           <p:cNvPr id="2" name="Title 1">
             <a:extLst>
               <a:ext uri="{FF2B5EF4-FFF2-40B4-BE49-F238E27FC236}">
-                <a16:creationId xmlns:a16="http://schemas.microsoft.com/office/drawing/2014/main" xmlns="" id="{3F6F735C-58FC-657B-B4ED-D589CFD1B6DF}"/>
+                <a16:creationId xmlns="" xmlns:a16="http://schemas.microsoft.com/office/drawing/2014/main" id="{3F6F735C-58FC-657B-B4ED-D589CFD1B6DF}"/>
               </a:ext>
             </a:extLst>
           </p:cNvPr>
@@ -5161,7 +5162,7 @@
           <p:cNvPr id="3" name="Content Placeholder 2">
             <a:extLst>
               <a:ext uri="{FF2B5EF4-FFF2-40B4-BE49-F238E27FC236}">
-                <a16:creationId xmlns:a16="http://schemas.microsoft.com/office/drawing/2014/main" xmlns="" id="{96DBCCE1-B463-314C-8B13-885A86F081C3}"/>
+                <a16:creationId xmlns="" xmlns:a16="http://schemas.microsoft.com/office/drawing/2014/main" id="{96DBCCE1-B463-314C-8B13-885A86F081C3}"/>
               </a:ext>
             </a:extLst>
           </p:cNvPr>
@@ -5251,7 +5252,7 @@
           <p:cNvPr id="4" name="Text Placeholder 3">
             <a:extLst>
               <a:ext uri="{FF2B5EF4-FFF2-40B4-BE49-F238E27FC236}">
-                <a16:creationId xmlns:a16="http://schemas.microsoft.com/office/drawing/2014/main" xmlns="" id="{E9FB96B2-6C73-3721-1396-85E216F19CD8}"/>
+                <a16:creationId xmlns="" xmlns:a16="http://schemas.microsoft.com/office/drawing/2014/main" id="{E9FB96B2-6C73-3721-1396-85E216F19CD8}"/>
               </a:ext>
             </a:extLst>
           </p:cNvPr>
@@ -5322,7 +5323,7 @@
           <p:cNvPr id="5" name="Date Placeholder 4">
             <a:extLst>
               <a:ext uri="{FF2B5EF4-FFF2-40B4-BE49-F238E27FC236}">
-                <a16:creationId xmlns:a16="http://schemas.microsoft.com/office/drawing/2014/main" xmlns="" id="{446CD89D-2120-9FF0-15C7-EA1186297BC4}"/>
+                <a16:creationId xmlns="" xmlns:a16="http://schemas.microsoft.com/office/drawing/2014/main" id="{446CD89D-2120-9FF0-15C7-EA1186297BC4}"/>
               </a:ext>
             </a:extLst>
           </p:cNvPr>
@@ -5352,7 +5353,7 @@
           <p:cNvPr id="6" name="Footer Placeholder 5">
             <a:extLst>
               <a:ext uri="{FF2B5EF4-FFF2-40B4-BE49-F238E27FC236}">
-                <a16:creationId xmlns:a16="http://schemas.microsoft.com/office/drawing/2014/main" xmlns="" id="{6F72862D-659F-10AD-2930-F4F7F8E2C8A1}"/>
+                <a16:creationId xmlns="" xmlns:a16="http://schemas.microsoft.com/office/drawing/2014/main" id="{6F72862D-659F-10AD-2930-F4F7F8E2C8A1}"/>
               </a:ext>
             </a:extLst>
           </p:cNvPr>
@@ -5377,7 +5378,7 @@
           <p:cNvPr id="7" name="Slide Number Placeholder 6">
             <a:extLst>
               <a:ext uri="{FF2B5EF4-FFF2-40B4-BE49-F238E27FC236}">
-                <a16:creationId xmlns:a16="http://schemas.microsoft.com/office/drawing/2014/main" xmlns="" id="{34960E8E-3D9F-D9AB-DB34-4BB670EAB45C}"/>
+                <a16:creationId xmlns="" xmlns:a16="http://schemas.microsoft.com/office/drawing/2014/main" id="{34960E8E-3D9F-D9AB-DB34-4BB670EAB45C}"/>
               </a:ext>
             </a:extLst>
           </p:cNvPr>
@@ -5405,7 +5406,7 @@
     </p:spTree>
     <p:extLst>
       <p:ext uri="{BB962C8B-B14F-4D97-AF65-F5344CB8AC3E}">
-        <p14:creationId xmlns:p14="http://schemas.microsoft.com/office/powerpoint/2010/main" xmlns="" val="3061432027"/>
+        <p14:creationId xmlns="" xmlns:p14="http://schemas.microsoft.com/office/powerpoint/2010/main" val="3061432027"/>
       </p:ext>
     </p:extLst>
   </p:cSld>
@@ -5437,7 +5438,7 @@
           <p:cNvPr id="2" name="Title 1">
             <a:extLst>
               <a:ext uri="{FF2B5EF4-FFF2-40B4-BE49-F238E27FC236}">
-                <a16:creationId xmlns:a16="http://schemas.microsoft.com/office/drawing/2014/main" xmlns="" id="{9AB7AD1D-5ADA-3628-033C-C6F617AF343C}"/>
+                <a16:creationId xmlns="" xmlns:a16="http://schemas.microsoft.com/office/drawing/2014/main" id="{9AB7AD1D-5ADA-3628-033C-C6F617AF343C}"/>
               </a:ext>
             </a:extLst>
           </p:cNvPr>
@@ -5474,7 +5475,7 @@
           <p:cNvPr id="3" name="Picture Placeholder 2">
             <a:extLst>
               <a:ext uri="{FF2B5EF4-FFF2-40B4-BE49-F238E27FC236}">
-                <a16:creationId xmlns:a16="http://schemas.microsoft.com/office/drawing/2014/main" xmlns="" id="{AE2BB451-7ACE-9D25-E499-627070EBCB73}"/>
+                <a16:creationId xmlns="" xmlns:a16="http://schemas.microsoft.com/office/drawing/2014/main" id="{AE2BB451-7ACE-9D25-E499-627070EBCB73}"/>
               </a:ext>
             </a:extLst>
           </p:cNvPr>
@@ -5541,7 +5542,7 @@
           <p:cNvPr id="4" name="Text Placeholder 3">
             <a:extLst>
               <a:ext uri="{FF2B5EF4-FFF2-40B4-BE49-F238E27FC236}">
-                <a16:creationId xmlns:a16="http://schemas.microsoft.com/office/drawing/2014/main" xmlns="" id="{412EC161-806C-C1EC-728D-2BE6FC9B0172}"/>
+                <a16:creationId xmlns="" xmlns:a16="http://schemas.microsoft.com/office/drawing/2014/main" id="{412EC161-806C-C1EC-728D-2BE6FC9B0172}"/>
               </a:ext>
             </a:extLst>
           </p:cNvPr>
@@ -5612,7 +5613,7 @@
           <p:cNvPr id="5" name="Date Placeholder 4">
             <a:extLst>
               <a:ext uri="{FF2B5EF4-FFF2-40B4-BE49-F238E27FC236}">
-                <a16:creationId xmlns:a16="http://schemas.microsoft.com/office/drawing/2014/main" xmlns="" id="{B5E4B42C-DDF2-E611-EB41-1D65831017CB}"/>
+                <a16:creationId xmlns="" xmlns:a16="http://schemas.microsoft.com/office/drawing/2014/main" id="{B5E4B42C-DDF2-E611-EB41-1D65831017CB}"/>
               </a:ext>
             </a:extLst>
           </p:cNvPr>
@@ -5642,7 +5643,7 @@
           <p:cNvPr id="6" name="Footer Placeholder 5">
             <a:extLst>
               <a:ext uri="{FF2B5EF4-FFF2-40B4-BE49-F238E27FC236}">
-                <a16:creationId xmlns:a16="http://schemas.microsoft.com/office/drawing/2014/main" xmlns="" id="{26A4B451-E8C3-B742-EE31-6DF8DF9A1282}"/>
+                <a16:creationId xmlns="" xmlns:a16="http://schemas.microsoft.com/office/drawing/2014/main" id="{26A4B451-E8C3-B742-EE31-6DF8DF9A1282}"/>
               </a:ext>
             </a:extLst>
           </p:cNvPr>
@@ -5667,7 +5668,7 @@
           <p:cNvPr id="7" name="Slide Number Placeholder 6">
             <a:extLst>
               <a:ext uri="{FF2B5EF4-FFF2-40B4-BE49-F238E27FC236}">
-                <a16:creationId xmlns:a16="http://schemas.microsoft.com/office/drawing/2014/main" xmlns="" id="{6AA6D5B1-1630-0511-3EE6-60CDFBB3506B}"/>
+                <a16:creationId xmlns="" xmlns:a16="http://schemas.microsoft.com/office/drawing/2014/main" id="{6AA6D5B1-1630-0511-3EE6-60CDFBB3506B}"/>
               </a:ext>
             </a:extLst>
           </p:cNvPr>
@@ -5695,7 +5696,7 @@
     </p:spTree>
     <p:extLst>
       <p:ext uri="{BB962C8B-B14F-4D97-AF65-F5344CB8AC3E}">
-        <p14:creationId xmlns:p14="http://schemas.microsoft.com/office/powerpoint/2010/main" xmlns="" val="534402549"/>
+        <p14:creationId xmlns="" xmlns:p14="http://schemas.microsoft.com/office/powerpoint/2010/main" val="534402549"/>
       </p:ext>
     </p:extLst>
   </p:cSld>
@@ -5732,7 +5733,7 @@
           <p:cNvPr id="2" name="Title Placeholder 1">
             <a:extLst>
               <a:ext uri="{FF2B5EF4-FFF2-40B4-BE49-F238E27FC236}">
-                <a16:creationId xmlns:a16="http://schemas.microsoft.com/office/drawing/2014/main" xmlns="" id="{DF03328A-7D56-2827-16E6-618ECAF82738}"/>
+                <a16:creationId xmlns="" xmlns:a16="http://schemas.microsoft.com/office/drawing/2014/main" id="{DF03328A-7D56-2827-16E6-618ECAF82738}"/>
               </a:ext>
             </a:extLst>
           </p:cNvPr>
@@ -5770,7 +5771,7 @@
           <p:cNvPr id="3" name="Text Placeholder 2">
             <a:extLst>
               <a:ext uri="{FF2B5EF4-FFF2-40B4-BE49-F238E27FC236}">
-                <a16:creationId xmlns:a16="http://schemas.microsoft.com/office/drawing/2014/main" xmlns="" id="{FDDAE085-3F2B-5DE3-B596-0FBB2E3A50B2}"/>
+                <a16:creationId xmlns="" xmlns:a16="http://schemas.microsoft.com/office/drawing/2014/main" id="{FDDAE085-3F2B-5DE3-B596-0FBB2E3A50B2}"/>
               </a:ext>
             </a:extLst>
           </p:cNvPr>
@@ -5837,7 +5838,7 @@
           <p:cNvPr id="4" name="Date Placeholder 3">
             <a:extLst>
               <a:ext uri="{FF2B5EF4-FFF2-40B4-BE49-F238E27FC236}">
-                <a16:creationId xmlns:a16="http://schemas.microsoft.com/office/drawing/2014/main" xmlns="" id="{36A67552-87DE-85A6-F8E6-1058C71360F5}"/>
+                <a16:creationId xmlns="" xmlns:a16="http://schemas.microsoft.com/office/drawing/2014/main" id="{36A67552-87DE-85A6-F8E6-1058C71360F5}"/>
               </a:ext>
             </a:extLst>
           </p:cNvPr>
@@ -5885,7 +5886,7 @@
           <p:cNvPr id="5" name="Footer Placeholder 4">
             <a:extLst>
               <a:ext uri="{FF2B5EF4-FFF2-40B4-BE49-F238E27FC236}">
-                <a16:creationId xmlns:a16="http://schemas.microsoft.com/office/drawing/2014/main" xmlns="" id="{B8F857FE-8C77-E618-0A79-DD525FEDF8A1}"/>
+                <a16:creationId xmlns="" xmlns:a16="http://schemas.microsoft.com/office/drawing/2014/main" id="{B8F857FE-8C77-E618-0A79-DD525FEDF8A1}"/>
               </a:ext>
             </a:extLst>
           </p:cNvPr>
@@ -5928,7 +5929,7 @@
           <p:cNvPr id="6" name="Slide Number Placeholder 5">
             <a:extLst>
               <a:ext uri="{FF2B5EF4-FFF2-40B4-BE49-F238E27FC236}">
-                <a16:creationId xmlns:a16="http://schemas.microsoft.com/office/drawing/2014/main" xmlns="" id="{93239D64-6D3F-F0B5-F1C6-0A5802E0444C}"/>
+                <a16:creationId xmlns="" xmlns:a16="http://schemas.microsoft.com/office/drawing/2014/main" id="{93239D64-6D3F-F0B5-F1C6-0A5802E0444C}"/>
               </a:ext>
             </a:extLst>
           </p:cNvPr>
@@ -5974,7 +5975,7 @@
     </p:spTree>
     <p:extLst>
       <p:ext uri="{BB962C8B-B14F-4D97-AF65-F5344CB8AC3E}">
-        <p14:creationId xmlns:p14="http://schemas.microsoft.com/office/powerpoint/2010/main" xmlns="" val="15430704"/>
+        <p14:creationId xmlns="" xmlns:p14="http://schemas.microsoft.com/office/powerpoint/2010/main" val="15430704"/>
       </p:ext>
     </p:extLst>
   </p:cSld>
@@ -6305,10 +6306,10 @@
           <p:cNvPr id="20" name="Rectangle 19">
             <a:extLst>
               <a:ext uri="{FF2B5EF4-FFF2-40B4-BE49-F238E27FC236}">
-                <a16:creationId xmlns:a16="http://schemas.microsoft.com/office/drawing/2014/main" xmlns="" id="{8F58EDD9-0685-44E6-9B72-108BB10E1AB0}"/>
+                <a16:creationId xmlns="" xmlns:a16="http://schemas.microsoft.com/office/drawing/2014/main" id="{8F58EDD9-0685-44E6-9B72-108BB10E1AB0}"/>
               </a:ext>
               <a:ext uri="{C183D7F6-B498-43B3-948B-1728B52AA6E4}">
-                <adec:decorative xmlns:adec="http://schemas.microsoft.com/office/drawing/2017/decorative" xmlns="" val="1"/>
+                <adec:decorative xmlns="" xmlns:adec="http://schemas.microsoft.com/office/drawing/2017/decorative" val="1"/>
               </a:ext>
             </a:extLst>
           </p:cNvPr>
@@ -6318,7 +6319,7 @@
           <p:nvPr>
             <p:extLst>
               <p:ext uri="{386F3935-93C4-4BCD-93E2-E3B085C9AB24}">
-                <p16:designElem xmlns:p16="http://schemas.microsoft.com/office/powerpoint/2015/main" xmlns="" val="1"/>
+                <p16:designElem xmlns="" xmlns:p16="http://schemas.microsoft.com/office/powerpoint/2015/main" val="1"/>
               </p:ext>
             </p:extLst>
           </p:nvPr>
@@ -6557,7 +6558,7 @@
           <p:cNvPr id="15" name="Picture 4" descr="The radiologic figure of a skeleton">
             <a:extLst>
               <a:ext uri="{FF2B5EF4-FFF2-40B4-BE49-F238E27FC236}">
-                <a16:creationId xmlns:a16="http://schemas.microsoft.com/office/drawing/2014/main" xmlns="" id="{6D20174E-34F8-E54D-7FC6-2B0B998DF364}"/>
+                <a16:creationId xmlns="" xmlns:a16="http://schemas.microsoft.com/office/drawing/2014/main" id="{6D20174E-34F8-E54D-7FC6-2B0B998DF364}"/>
               </a:ext>
             </a:extLst>
           </p:cNvPr>
@@ -6832,7 +6833,7 @@
           <p:cNvPr id="2" name="Title 1">
             <a:extLst>
               <a:ext uri="{FF2B5EF4-FFF2-40B4-BE49-F238E27FC236}">
-                <a16:creationId xmlns:a16="http://schemas.microsoft.com/office/drawing/2014/main" xmlns="" id="{18C3DF03-00B2-0B4C-0233-D9167454A0F4}"/>
+                <a16:creationId xmlns="" xmlns:a16="http://schemas.microsoft.com/office/drawing/2014/main" id="{18C3DF03-00B2-0B4C-0233-D9167454A0F4}"/>
               </a:ext>
             </a:extLst>
           </p:cNvPr>
@@ -6857,7 +6858,7 @@
           <p:cNvPr id="3" name="Content Placeholder 2">
             <a:extLst>
               <a:ext uri="{FF2B5EF4-FFF2-40B4-BE49-F238E27FC236}">
-                <a16:creationId xmlns:a16="http://schemas.microsoft.com/office/drawing/2014/main" xmlns="" id="{C8305C30-12ED-25E9-796D-DEFD8EB38105}"/>
+                <a16:creationId xmlns="" xmlns:a16="http://schemas.microsoft.com/office/drawing/2014/main" id="{C8305C30-12ED-25E9-796D-DEFD8EB38105}"/>
               </a:ext>
             </a:extLst>
           </p:cNvPr>
@@ -6882,7 +6883,7 @@
           <p:cNvPr id="5" name="Picture 4">
             <a:extLst>
               <a:ext uri="{FF2B5EF4-FFF2-40B4-BE49-F238E27FC236}">
-                <a16:creationId xmlns:a16="http://schemas.microsoft.com/office/drawing/2014/main" xmlns="" id="{D1EBA53C-07C8-D5F1-16AB-3914EBCB3593}"/>
+                <a16:creationId xmlns="" xmlns:a16="http://schemas.microsoft.com/office/drawing/2014/main" id="{D1EBA53C-07C8-D5F1-16AB-3914EBCB3593}"/>
               </a:ext>
             </a:extLst>
           </p:cNvPr>
@@ -6910,7 +6911,7 @@
     </p:spTree>
     <p:extLst>
       <p:ext uri="{BB962C8B-B14F-4D97-AF65-F5344CB8AC3E}">
-        <p14:creationId xmlns:p14="http://schemas.microsoft.com/office/powerpoint/2010/main" xmlns="" val="2559670052"/>
+        <p14:creationId xmlns="" xmlns:p14="http://schemas.microsoft.com/office/powerpoint/2010/main" val="2559670052"/>
       </p:ext>
     </p:extLst>
   </p:cSld>
@@ -7481,14 +7482,6 @@
 <file path=ppt/slides/slide19.xml><?xml version="1.0" encoding="utf-8"?>
 <p:sld xmlns:a="http://schemas.openxmlformats.org/drawingml/2006/main" xmlns:r="http://schemas.openxmlformats.org/officeDocument/2006/relationships" xmlns:p="http://schemas.openxmlformats.org/presentationml/2006/main">
   <p:cSld>
-    <p:bg>
-      <p:bgPr>
-        <a:solidFill>
-          <a:schemeClr val="bg1"/>
-        </a:solidFill>
-        <a:effectLst/>
-      </p:bgPr>
-    </p:bg>
     <p:spTree>
       <p:nvGrpSpPr>
         <p:cNvPr id="1" name=""/>
@@ -7503,230 +7496,9 @@
           <a:chExt cx="0" cy="0"/>
         </a:xfrm>
       </p:grpSpPr>
-      <p:sp useBgFill="1">
-        <p:nvSpPr>
-          <p:cNvPr id="9" name="Rectangle 8">
-            <a:extLst>
-              <a:ext uri="{FF2B5EF4-FFF2-40B4-BE49-F238E27FC236}">
-                <a16:creationId xmlns:a16="http://schemas.microsoft.com/office/drawing/2014/main" xmlns="" id="{E7F94237-0536-4DB1-8C95-39E355CED94B}"/>
-              </a:ext>
-              <a:ext uri="{C183D7F6-B498-43B3-948B-1728B52AA6E4}">
-                <adec:decorative xmlns:adec="http://schemas.microsoft.com/office/drawing/2017/decorative" xmlns="" val="1"/>
-              </a:ext>
-            </a:extLst>
-          </p:cNvPr>
-          <p:cNvSpPr>
-            <a:spLocks noGrp="1" noRot="1" noChangeAspect="1" noMove="1" noResize="1" noEditPoints="1" noAdjustHandles="1" noChangeArrowheads="1" noChangeShapeType="1" noTextEdit="1"/>
-          </p:cNvSpPr>
-          <p:nvPr>
-            <p:extLst>
-              <p:ext uri="{386F3935-93C4-4BCD-93E2-E3B085C9AB24}">
-                <p16:designElem xmlns:p16="http://schemas.microsoft.com/office/powerpoint/2015/main" xmlns="" val="1"/>
-              </p:ext>
-            </p:extLst>
-          </p:nvPr>
-        </p:nvSpPr>
-        <p:spPr>
-          <a:xfrm>
-            <a:off x="0" y="0"/>
-            <a:ext cx="12192000" cy="6858000"/>
-          </a:xfrm>
-          <a:prstGeom prst="rect">
-            <a:avLst/>
-          </a:prstGeom>
-          <a:ln w="12700" cap="flat" cmpd="sng" algn="ctr">
-            <a:noFill/>
-            <a:prstDash val="solid"/>
-            <a:miter lim="800000"/>
-          </a:ln>
-          <a:effectLst/>
-          <a:extLst>
-            <a:ext uri="{91240B29-F687-4F45-9708-019B960494DF}">
-              <a14:hiddenLine xmlns:a14="http://schemas.microsoft.com/office/drawing/2010/main" xmlns="" w="12700" cap="flat" cmpd="sng" algn="ctr">
-                <a:solidFill>
-                  <a:schemeClr val="accent1">
-                    <a:shade val="50000"/>
-                  </a:schemeClr>
-                </a:solidFill>
-                <a:prstDash val="solid"/>
-                <a:miter lim="800000"/>
-              </a14:hiddenLine>
-            </a:ext>
-          </a:extLst>
-        </p:spPr>
-        <p:style>
-          <a:lnRef idx="2">
-            <a:schemeClr val="accent1">
-              <a:shade val="50000"/>
-            </a:schemeClr>
-          </a:lnRef>
-          <a:fillRef idx="1">
-            <a:schemeClr val="accent1"/>
-          </a:fillRef>
-          <a:effectRef idx="0">
-            <a:schemeClr val="accent1"/>
-          </a:effectRef>
-          <a:fontRef idx="minor">
-            <a:schemeClr val="lt1"/>
-          </a:fontRef>
-        </p:style>
-        <p:txBody>
-          <a:bodyPr rtlCol="0" anchor="ctr"/>
-          <a:lstStyle/>
-          <a:p>
-            <a:pPr algn="ctr"/>
-            <a:endParaRPr lang="en-US"/>
-          </a:p>
-        </p:txBody>
-      </p:sp>
       <p:sp>
         <p:nvSpPr>
-          <p:cNvPr id="11" name="!!Rectangle">
-            <a:extLst>
-              <a:ext uri="{FF2B5EF4-FFF2-40B4-BE49-F238E27FC236}">
-                <a16:creationId xmlns:a16="http://schemas.microsoft.com/office/drawing/2014/main" xmlns="" id="{1A3C89F8-0D2F-47FF-B903-151248265F47}"/>
-              </a:ext>
-              <a:ext uri="{C183D7F6-B498-43B3-948B-1728B52AA6E4}">
-                <adec:decorative xmlns:adec="http://schemas.microsoft.com/office/drawing/2017/decorative" xmlns="" val="1"/>
-              </a:ext>
-            </a:extLst>
-          </p:cNvPr>
-          <p:cNvSpPr>
-            <a:spLocks noGrp="1" noRot="1" noChangeAspect="1" noMove="1" noResize="1" noEditPoints="1" noAdjustHandles="1" noChangeArrowheads="1" noChangeShapeType="1" noTextEdit="1"/>
-          </p:cNvSpPr>
-          <p:nvPr>
-            <p:extLst>
-              <p:ext uri="{386F3935-93C4-4BCD-93E2-E3B085C9AB24}">
-                <p16:designElem xmlns:p16="http://schemas.microsoft.com/office/powerpoint/2015/main" xmlns="" val="1"/>
-              </p:ext>
-            </p:extLst>
-          </p:nvPr>
-        </p:nvSpPr>
-        <p:spPr>
-          <a:xfrm>
-            <a:off x="0" y="0"/>
-            <a:ext cx="12192000" cy="6858000"/>
-          </a:xfrm>
-          <a:prstGeom prst="rect">
-            <a:avLst/>
-          </a:prstGeom>
-          <a:gradFill flip="none" rotWithShape="1">
-            <a:gsLst>
-              <a:gs pos="0">
-                <a:schemeClr val="accent1"/>
-              </a:gs>
-              <a:gs pos="100000">
-                <a:schemeClr val="accent2"/>
-              </a:gs>
-            </a:gsLst>
-            <a:lin ang="8100000" scaled="0"/>
-            <a:tileRect/>
-          </a:gradFill>
-          <a:ln>
-            <a:noFill/>
-          </a:ln>
-        </p:spPr>
-        <p:style>
-          <a:lnRef idx="2">
-            <a:schemeClr val="accent1">
-              <a:shade val="50000"/>
-            </a:schemeClr>
-          </a:lnRef>
-          <a:fillRef idx="1">
-            <a:schemeClr val="accent1"/>
-          </a:fillRef>
-          <a:effectRef idx="0">
-            <a:schemeClr val="accent1"/>
-          </a:effectRef>
-          <a:fontRef idx="minor">
-            <a:schemeClr val="lt1"/>
-          </a:fontRef>
-        </p:style>
-        <p:txBody>
-          <a:bodyPr rtlCol="0" anchor="ctr"/>
-          <a:lstStyle/>
-          <a:p>
-            <a:pPr marL="0" marR="0" lvl="0" indent="0" algn="ctr" defTabSz="914400" rtl="0" eaLnBrk="1" fontAlgn="auto" latinLnBrk="0" hangingPunct="1">
-              <a:lnSpc>
-                <a:spcPct val="100000"/>
-              </a:lnSpc>
-              <a:spcBef>
-                <a:spcPts val="0"/>
-              </a:spcBef>
-              <a:spcAft>
-                <a:spcPts val="0"/>
-              </a:spcAft>
-              <a:buClrTx/>
-              <a:buSzTx/>
-              <a:buFontTx/>
-              <a:buNone/>
-              <a:tabLst/>
-              <a:defRPr/>
-            </a:pPr>
-            <a:endParaRPr kumimoji="0" lang="en-US" sz="1800" b="0" i="0" u="none" strike="noStrike" kern="1200" cap="none" spc="0" normalizeH="0" baseline="0" noProof="0">
-              <a:ln>
-                <a:noFill/>
-              </a:ln>
-              <a:solidFill>
-                <a:srgbClr val="FFFFFF"/>
-              </a:solidFill>
-              <a:effectLst/>
-              <a:uLnTx/>
-              <a:uFillTx/>
-              <a:latin typeface="Calibri" panose="020F0502020204030204"/>
-              <a:ea typeface="+mn-ea"/>
-              <a:cs typeface="+mn-cs"/>
-            </a:endParaRPr>
-          </a:p>
-        </p:txBody>
-      </p:sp>
-      <p:pic>
-        <p:nvPicPr>
-          <p:cNvPr id="5" name="Picture 4" descr="Magnifying glass on clear background">
-            <a:extLst>
-              <a:ext uri="{FF2B5EF4-FFF2-40B4-BE49-F238E27FC236}">
-                <a16:creationId xmlns:a16="http://schemas.microsoft.com/office/drawing/2014/main" xmlns="" id="{E187DFB4-E05E-0951-CDC7-CFE40D2D6195}"/>
-              </a:ext>
-            </a:extLst>
-          </p:cNvPr>
-          <p:cNvPicPr>
-            <a:picLocks noChangeAspect="1"/>
-          </p:cNvPicPr>
-          <p:nvPr/>
-        </p:nvPicPr>
-        <p:blipFill rotWithShape="1">
-          <a:blip r:embed="rId2">
-            <a:duotone>
-              <a:schemeClr val="accent1">
-                <a:shade val="45000"/>
-                <a:satMod val="135000"/>
-              </a:schemeClr>
-              <a:prstClr val="white"/>
-            </a:duotone>
-            <a:alphaModFix amt="35000"/>
-          </a:blip>
-          <a:srcRect b="15730"/>
-          <a:stretch/>
-        </p:blipFill>
-        <p:spPr>
-          <a:xfrm>
-            <a:off x="20" y="10"/>
-            <a:ext cx="12191981" cy="6857989"/>
-          </a:xfrm>
-          <a:prstGeom prst="rect">
-            <a:avLst/>
-          </a:prstGeom>
-        </p:spPr>
-      </p:pic>
-      <p:sp>
-        <p:nvSpPr>
-          <p:cNvPr id="2" name="Title 1">
-            <a:extLst>
-              <a:ext uri="{FF2B5EF4-FFF2-40B4-BE49-F238E27FC236}">
-                <a16:creationId xmlns:a16="http://schemas.microsoft.com/office/drawing/2014/main" xmlns="" id="{AA104E94-08CF-9249-3361-CF281908020B}"/>
-              </a:ext>
-            </a:extLst>
-          </p:cNvPr>
+          <p:cNvPr id="2" name="Title 1"/>
           <p:cNvSpPr>
             <a:spLocks noGrp="1"/>
           </p:cNvSpPr>
@@ -7734,1237 +7506,90 @@
             <p:ph type="title"/>
           </p:nvPr>
         </p:nvSpPr>
-        <p:spPr>
-          <a:xfrm>
-            <a:off x="3880430" y="583345"/>
-            <a:ext cx="7160357" cy="4164820"/>
-          </a:xfrm>
-        </p:spPr>
+        <p:spPr/>
         <p:txBody>
-          <a:bodyPr vert="horz" lIns="91440" tIns="45720" rIns="91440" bIns="45720" rtlCol="0" anchor="t">
-            <a:normAutofit/>
-          </a:bodyPr>
+          <a:bodyPr/>
           <a:lstStyle/>
           <a:p>
-            <a:pPr algn="r"/>
-            <a:r>
-              <a:rPr lang="en-US" sz="8000" dirty="0">
-                <a:solidFill>
-                  <a:srgbClr val="FFFFFF"/>
-                </a:solidFill>
-                <a:latin typeface="Times New Roman" panose="02020603050405020304" pitchFamily="18" charset="0"/>
-                <a:cs typeface="Times New Roman" panose="02020603050405020304" pitchFamily="18" charset="0"/>
-              </a:rPr>
-              <a:t>Thank you</a:t>
-            </a:r>
-            <a:r>
-              <a:rPr lang="en-US" sz="8000" dirty="0">
-                <a:solidFill>
-                  <a:srgbClr val="FFFFFF"/>
-                </a:solidFill>
-              </a:rPr>
-              <a:t/>
-            </a:r>
-            <a:br>
-              <a:rPr lang="en-US" sz="8000" dirty="0">
-                <a:solidFill>
-                  <a:srgbClr val="FFFFFF"/>
-                </a:solidFill>
-              </a:rPr>
-            </a:br>
-            <a:endParaRPr lang="en-US" sz="8000" dirty="0">
-              <a:solidFill>
-                <a:srgbClr val="FFFFFF"/>
-              </a:solidFill>
-            </a:endParaRPr>
+            <a:r>
+              <a:rPr lang="en-US" b="1" dirty="0" err="1" smtClean="0"/>
+              <a:t>GitHub</a:t>
+            </a:r>
+            <a:r>
+              <a:rPr lang="en-US" b="1" dirty="0" smtClean="0"/>
+              <a:t> </a:t>
+            </a:r>
+            <a:r>
+              <a:rPr lang="en-US" b="1" dirty="0" smtClean="0"/>
+              <a:t>Code Link</a:t>
+            </a:r>
+            <a:r>
+              <a:rPr lang="en-US" dirty="0" smtClean="0"/>
+              <a:t>:</a:t>
+            </a:r>
+            <a:endParaRPr lang="en-US" dirty="0"/>
           </a:p>
         </p:txBody>
       </p:sp>
       <p:sp>
         <p:nvSpPr>
-          <p:cNvPr id="13" name="Graphic 13">
-            <a:extLst>
-              <a:ext uri="{FF2B5EF4-FFF2-40B4-BE49-F238E27FC236}">
-                <a16:creationId xmlns:a16="http://schemas.microsoft.com/office/drawing/2014/main" xmlns="" id="{C5CB530E-515E-412C-9DF1-5F8FFBD6F383}"/>
-              </a:ext>
-              <a:ext uri="{C183D7F6-B498-43B3-948B-1728B52AA6E4}">
-                <adec:decorative xmlns:adec="http://schemas.microsoft.com/office/drawing/2017/decorative" xmlns="" val="1"/>
-              </a:ext>
-            </a:extLst>
-          </p:cNvPr>
+          <p:cNvPr id="3" name="Content Placeholder 2"/>
           <p:cNvSpPr>
-            <a:spLocks noGrp="1" noRot="1" noChangeAspect="1" noMove="1" noResize="1" noEditPoints="1" noAdjustHandles="1" noChangeArrowheads="1" noChangeShapeType="1" noTextEdit="1"/>
+            <a:spLocks noGrp="1"/>
           </p:cNvSpPr>
           <p:nvPr>
-            <p:extLst>
-              <p:ext uri="{386F3935-93C4-4BCD-93E2-E3B085C9AB24}">
-                <p16:designElem xmlns:p16="http://schemas.microsoft.com/office/powerpoint/2015/main" xmlns="" val="1"/>
-              </p:ext>
-            </p:extLst>
+            <p:ph idx="1"/>
           </p:nvPr>
         </p:nvSpPr>
-        <p:spPr>
-          <a:xfrm>
-            <a:off x="3474359" y="583345"/>
-            <a:ext cx="139039" cy="139039"/>
-          </a:xfrm>
-          <a:custGeom>
-            <a:avLst/>
-            <a:gdLst>
-              <a:gd name="connsiteX0" fmla="*/ 129602 w 139039"/>
-              <a:gd name="connsiteY0" fmla="*/ 60082 h 139039"/>
-              <a:gd name="connsiteX1" fmla="*/ 78957 w 139039"/>
-              <a:gd name="connsiteY1" fmla="*/ 60082 h 139039"/>
-              <a:gd name="connsiteX2" fmla="*/ 78957 w 139039"/>
-              <a:gd name="connsiteY2" fmla="*/ 9437 h 139039"/>
-              <a:gd name="connsiteX3" fmla="*/ 69520 w 139039"/>
-              <a:gd name="connsiteY3" fmla="*/ 0 h 139039"/>
-              <a:gd name="connsiteX4" fmla="*/ 60082 w 139039"/>
-              <a:gd name="connsiteY4" fmla="*/ 9437 h 139039"/>
-              <a:gd name="connsiteX5" fmla="*/ 60082 w 139039"/>
-              <a:gd name="connsiteY5" fmla="*/ 60082 h 139039"/>
-              <a:gd name="connsiteX6" fmla="*/ 9437 w 139039"/>
-              <a:gd name="connsiteY6" fmla="*/ 60082 h 139039"/>
-              <a:gd name="connsiteX7" fmla="*/ 0 w 139039"/>
-              <a:gd name="connsiteY7" fmla="*/ 69520 h 139039"/>
-              <a:gd name="connsiteX8" fmla="*/ 9437 w 139039"/>
-              <a:gd name="connsiteY8" fmla="*/ 78957 h 139039"/>
-              <a:gd name="connsiteX9" fmla="*/ 60082 w 139039"/>
-              <a:gd name="connsiteY9" fmla="*/ 78957 h 139039"/>
-              <a:gd name="connsiteX10" fmla="*/ 60082 w 139039"/>
-              <a:gd name="connsiteY10" fmla="*/ 129602 h 139039"/>
-              <a:gd name="connsiteX11" fmla="*/ 69520 w 139039"/>
-              <a:gd name="connsiteY11" fmla="*/ 139039 h 139039"/>
-              <a:gd name="connsiteX12" fmla="*/ 78957 w 139039"/>
-              <a:gd name="connsiteY12" fmla="*/ 129602 h 139039"/>
-              <a:gd name="connsiteX13" fmla="*/ 78957 w 139039"/>
-              <a:gd name="connsiteY13" fmla="*/ 78957 h 139039"/>
-              <a:gd name="connsiteX14" fmla="*/ 129602 w 139039"/>
-              <a:gd name="connsiteY14" fmla="*/ 78957 h 139039"/>
-              <a:gd name="connsiteX15" fmla="*/ 139039 w 139039"/>
-              <a:gd name="connsiteY15" fmla="*/ 69520 h 139039"/>
-              <a:gd name="connsiteX16" fmla="*/ 129602 w 139039"/>
-              <a:gd name="connsiteY16" fmla="*/ 60082 h 139039"/>
-            </a:gdLst>
-            <a:ahLst/>
-            <a:cxnLst>
-              <a:cxn ang="0">
-                <a:pos x="connsiteX0" y="connsiteY0"/>
-              </a:cxn>
-              <a:cxn ang="0">
-                <a:pos x="connsiteX1" y="connsiteY1"/>
-              </a:cxn>
-              <a:cxn ang="0">
-                <a:pos x="connsiteX2" y="connsiteY2"/>
-              </a:cxn>
-              <a:cxn ang="0">
-                <a:pos x="connsiteX3" y="connsiteY3"/>
-              </a:cxn>
-              <a:cxn ang="0">
-                <a:pos x="connsiteX4" y="connsiteY4"/>
-              </a:cxn>
-              <a:cxn ang="0">
-                <a:pos x="connsiteX5" y="connsiteY5"/>
-              </a:cxn>
-              <a:cxn ang="0">
-                <a:pos x="connsiteX6" y="connsiteY6"/>
-              </a:cxn>
-              <a:cxn ang="0">
-                <a:pos x="connsiteX7" y="connsiteY7"/>
-              </a:cxn>
-              <a:cxn ang="0">
-                <a:pos x="connsiteX8" y="connsiteY8"/>
-              </a:cxn>
-              <a:cxn ang="0">
-                <a:pos x="connsiteX9" y="connsiteY9"/>
-              </a:cxn>
-              <a:cxn ang="0">
-                <a:pos x="connsiteX10" y="connsiteY10"/>
-              </a:cxn>
-              <a:cxn ang="0">
-                <a:pos x="connsiteX11" y="connsiteY11"/>
-              </a:cxn>
-              <a:cxn ang="0">
-                <a:pos x="connsiteX12" y="connsiteY12"/>
-              </a:cxn>
-              <a:cxn ang="0">
-                <a:pos x="connsiteX13" y="connsiteY13"/>
-              </a:cxn>
-              <a:cxn ang="0">
-                <a:pos x="connsiteX14" y="connsiteY14"/>
-              </a:cxn>
-              <a:cxn ang="0">
-                <a:pos x="connsiteX15" y="connsiteY15"/>
-              </a:cxn>
-              <a:cxn ang="0">
-                <a:pos x="connsiteX16" y="connsiteY16"/>
-              </a:cxn>
-            </a:cxnLst>
-            <a:rect l="l" t="t" r="r" b="b"/>
-            <a:pathLst>
-              <a:path w="139039" h="139039">
-                <a:moveTo>
-                  <a:pt x="129602" y="60082"/>
-                </a:moveTo>
-                <a:lnTo>
-                  <a:pt x="78957" y="60082"/>
-                </a:lnTo>
-                <a:lnTo>
-                  <a:pt x="78957" y="9437"/>
-                </a:lnTo>
-                <a:cubicBezTo>
-                  <a:pt x="78957" y="4225"/>
-                  <a:pt x="74731" y="0"/>
-                  <a:pt x="69520" y="0"/>
-                </a:cubicBezTo>
-                <a:cubicBezTo>
-                  <a:pt x="64308" y="0"/>
-                  <a:pt x="60082" y="4225"/>
-                  <a:pt x="60082" y="9437"/>
-                </a:cubicBezTo>
-                <a:lnTo>
-                  <a:pt x="60082" y="60082"/>
-                </a:lnTo>
-                <a:lnTo>
-                  <a:pt x="9437" y="60082"/>
-                </a:lnTo>
-                <a:cubicBezTo>
-                  <a:pt x="4225" y="60082"/>
-                  <a:pt x="0" y="64308"/>
-                  <a:pt x="0" y="69520"/>
-                </a:cubicBezTo>
-                <a:cubicBezTo>
-                  <a:pt x="0" y="74731"/>
-                  <a:pt x="4225" y="78957"/>
-                  <a:pt x="9437" y="78957"/>
-                </a:cubicBezTo>
-                <a:lnTo>
-                  <a:pt x="60082" y="78957"/>
-                </a:lnTo>
-                <a:lnTo>
-                  <a:pt x="60082" y="129602"/>
-                </a:lnTo>
-                <a:cubicBezTo>
-                  <a:pt x="60082" y="134814"/>
-                  <a:pt x="64308" y="139039"/>
-                  <a:pt x="69520" y="139039"/>
-                </a:cubicBezTo>
-                <a:cubicBezTo>
-                  <a:pt x="74731" y="139039"/>
-                  <a:pt x="78957" y="134814"/>
-                  <a:pt x="78957" y="129602"/>
-                </a:cubicBezTo>
-                <a:lnTo>
-                  <a:pt x="78957" y="78957"/>
-                </a:lnTo>
-                <a:lnTo>
-                  <a:pt x="129602" y="78957"/>
-                </a:lnTo>
-                <a:cubicBezTo>
-                  <a:pt x="134814" y="78957"/>
-                  <a:pt x="139039" y="74731"/>
-                  <a:pt x="139039" y="69520"/>
-                </a:cubicBezTo>
-                <a:cubicBezTo>
-                  <a:pt x="139039" y="64308"/>
-                  <a:pt x="134814" y="60082"/>
-                  <a:pt x="129602" y="60082"/>
-                </a:cubicBezTo>
-                <a:close/>
-              </a:path>
-            </a:pathLst>
-          </a:custGeom>
-          <a:solidFill>
-            <a:srgbClr val="FFFFFF"/>
-          </a:solidFill>
-          <a:ln w="603" cap="flat">
-            <a:noFill/>
-            <a:prstDash val="solid"/>
-            <a:miter/>
-          </a:ln>
-        </p:spPr>
+        <p:spPr/>
         <p:txBody>
-          <a:bodyPr rtlCol="0" anchor="ctr"/>
+          <a:bodyPr/>
           <a:lstStyle/>
           <a:p>
-            <a:pPr marL="0" marR="0" lvl="0" indent="0" algn="l" defTabSz="914400" rtl="0" eaLnBrk="1" fontAlgn="auto" latinLnBrk="0" hangingPunct="1">
-              <a:lnSpc>
-                <a:spcPct val="100000"/>
-              </a:lnSpc>
-              <a:spcBef>
-                <a:spcPts val="0"/>
-              </a:spcBef>
-              <a:spcAft>
-                <a:spcPts val="0"/>
-              </a:spcAft>
-              <a:buClrTx/>
-              <a:buSzTx/>
-              <a:buFontTx/>
+            <a:endParaRPr lang="en-US" dirty="0" smtClean="0">
+              <a:hlinkClick r:id="rId2"/>
+            </a:endParaRPr>
+          </a:p>
+          <a:p>
+            <a:endParaRPr lang="en-US" dirty="0" smtClean="0">
+              <a:hlinkClick r:id="rId2"/>
+            </a:endParaRPr>
+          </a:p>
+          <a:p>
+            <a:endParaRPr lang="en-US" dirty="0" smtClean="0">
+              <a:hlinkClick r:id="rId2"/>
+            </a:endParaRPr>
+          </a:p>
+          <a:p>
+            <a:pPr>
               <a:buNone/>
-              <a:tabLst/>
-              <a:defRPr/>
             </a:pPr>
-            <a:endParaRPr kumimoji="0" lang="en-US" sz="1800" b="0" i="0" u="none" strike="noStrike" kern="1200" cap="none" spc="0" normalizeH="0" baseline="0" noProof="0">
-              <a:ln>
-                <a:noFill/>
-              </a:ln>
-              <a:solidFill>
-                <a:srgbClr val="FFFFFF"/>
-              </a:solidFill>
-              <a:effectLst/>
-              <a:uLnTx/>
-              <a:uFillTx/>
-              <a:latin typeface="Calibri" panose="020F0502020204030204"/>
-              <a:ea typeface="+mn-ea"/>
-              <a:cs typeface="+mn-cs"/>
-            </a:endParaRPr>
-          </a:p>
-        </p:txBody>
-      </p:sp>
-      <p:sp>
-        <p:nvSpPr>
-          <p:cNvPr id="15" name="Graphic 12">
-            <a:extLst>
-              <a:ext uri="{FF2B5EF4-FFF2-40B4-BE49-F238E27FC236}">
-                <a16:creationId xmlns:a16="http://schemas.microsoft.com/office/drawing/2014/main" xmlns="" id="{712D4376-A578-4FF1-94FC-245E7A6A489F}"/>
-              </a:ext>
-              <a:ext uri="{C183D7F6-B498-43B3-948B-1728B52AA6E4}">
-                <adec:decorative xmlns:adec="http://schemas.microsoft.com/office/drawing/2017/decorative" xmlns="" val="1"/>
-              </a:ext>
-            </a:extLst>
-          </p:cNvPr>
-          <p:cNvSpPr>
-            <a:spLocks noGrp="1" noRot="1" noChangeAspect="1" noMove="1" noResize="1" noEditPoints="1" noAdjustHandles="1" noChangeArrowheads="1" noChangeShapeType="1" noTextEdit="1"/>
-          </p:cNvSpPr>
-          <p:nvPr>
-            <p:extLst>
-              <p:ext uri="{386F3935-93C4-4BCD-93E2-E3B085C9AB24}">
-                <p16:designElem xmlns:p16="http://schemas.microsoft.com/office/powerpoint/2015/main" xmlns="" val="1"/>
-              </p:ext>
-            </p:extLst>
-          </p:nvPr>
-        </p:nvSpPr>
-        <p:spPr>
-          <a:xfrm>
-            <a:off x="3833139" y="812640"/>
-            <a:ext cx="91138" cy="91138"/>
-          </a:xfrm>
-          <a:custGeom>
-            <a:avLst/>
-            <a:gdLst>
-              <a:gd name="connsiteX0" fmla="*/ 91138 w 91138"/>
-              <a:gd name="connsiteY0" fmla="*/ 45569 h 91138"/>
-              <a:gd name="connsiteX1" fmla="*/ 45569 w 91138"/>
-              <a:gd name="connsiteY1" fmla="*/ 91138 h 91138"/>
-              <a:gd name="connsiteX2" fmla="*/ 0 w 91138"/>
-              <a:gd name="connsiteY2" fmla="*/ 45569 h 91138"/>
-              <a:gd name="connsiteX3" fmla="*/ 45569 w 91138"/>
-              <a:gd name="connsiteY3" fmla="*/ 0 h 91138"/>
-              <a:gd name="connsiteX4" fmla="*/ 91138 w 91138"/>
-              <a:gd name="connsiteY4" fmla="*/ 45569 h 91138"/>
-            </a:gdLst>
-            <a:ahLst/>
-            <a:cxnLst>
-              <a:cxn ang="0">
-                <a:pos x="connsiteX0" y="connsiteY0"/>
-              </a:cxn>
-              <a:cxn ang="0">
-                <a:pos x="connsiteX1" y="connsiteY1"/>
-              </a:cxn>
-              <a:cxn ang="0">
-                <a:pos x="connsiteX2" y="connsiteY2"/>
-              </a:cxn>
-              <a:cxn ang="0">
-                <a:pos x="connsiteX3" y="connsiteY3"/>
-              </a:cxn>
-              <a:cxn ang="0">
-                <a:pos x="connsiteX4" y="connsiteY4"/>
-              </a:cxn>
-            </a:cxnLst>
-            <a:rect l="l" t="t" r="r" b="b"/>
-            <a:pathLst>
-              <a:path w="91138" h="91138">
-                <a:moveTo>
-                  <a:pt x="91138" y="45569"/>
-                </a:moveTo>
-                <a:cubicBezTo>
-                  <a:pt x="91138" y="70736"/>
-                  <a:pt x="70736" y="91138"/>
-                  <a:pt x="45569" y="91138"/>
-                </a:cubicBezTo>
-                <a:cubicBezTo>
-                  <a:pt x="20402" y="91138"/>
-                  <a:pt x="0" y="70736"/>
-                  <a:pt x="0" y="45569"/>
-                </a:cubicBezTo>
-                <a:cubicBezTo>
-                  <a:pt x="0" y="20402"/>
-                  <a:pt x="20402" y="0"/>
-                  <a:pt x="45569" y="0"/>
-                </a:cubicBezTo>
-                <a:cubicBezTo>
-                  <a:pt x="70736" y="0"/>
-                  <a:pt x="91138" y="20402"/>
-                  <a:pt x="91138" y="45569"/>
-                </a:cubicBezTo>
-                <a:close/>
-              </a:path>
-            </a:pathLst>
-          </a:custGeom>
-          <a:solidFill>
-            <a:srgbClr val="FFFFFF"/>
-          </a:solidFill>
-          <a:ln w="422" cap="flat">
-            <a:noFill/>
-            <a:prstDash val="solid"/>
-            <a:miter/>
-          </a:ln>
-        </p:spPr>
-        <p:txBody>
-          <a:bodyPr rtlCol="0" anchor="ctr"/>
-          <a:lstStyle/>
-          <a:p>
-            <a:pPr marL="0" marR="0" lvl="0" indent="0" algn="l" defTabSz="914400" rtl="0" eaLnBrk="1" fontAlgn="auto" latinLnBrk="0" hangingPunct="1">
-              <a:lnSpc>
-                <a:spcPct val="100000"/>
-              </a:lnSpc>
-              <a:spcBef>
-                <a:spcPts val="0"/>
-              </a:spcBef>
-              <a:spcAft>
-                <a:spcPts val="0"/>
-              </a:spcAft>
-              <a:buClrTx/>
-              <a:buSzTx/>
-              <a:buFontTx/>
-              <a:buNone/>
-              <a:tabLst/>
-              <a:defRPr/>
-            </a:pPr>
-            <a:endParaRPr kumimoji="0" lang="en-US" sz="1800" b="0" i="0" u="none" strike="noStrike" kern="1200" cap="none" spc="0" normalizeH="0" baseline="0" noProof="0">
-              <a:ln>
-                <a:noFill/>
-              </a:ln>
-              <a:solidFill>
-                <a:srgbClr val="FFFFFF"/>
-              </a:solidFill>
-              <a:effectLst/>
-              <a:uLnTx/>
-              <a:uFillTx/>
-              <a:latin typeface="Calibri" panose="020F0502020204030204"/>
-              <a:ea typeface="+mn-ea"/>
-              <a:cs typeface="+mn-cs"/>
-            </a:endParaRPr>
-          </a:p>
-        </p:txBody>
-      </p:sp>
-      <p:sp>
-        <p:nvSpPr>
-          <p:cNvPr id="17" name="Graphic 15">
-            <a:extLst>
-              <a:ext uri="{FF2B5EF4-FFF2-40B4-BE49-F238E27FC236}">
-                <a16:creationId xmlns:a16="http://schemas.microsoft.com/office/drawing/2014/main" xmlns="" id="{AEA7509D-F04F-40CB-A0B3-EEF16499CC9F}"/>
-              </a:ext>
-              <a:ext uri="{C183D7F6-B498-43B3-948B-1728B52AA6E4}">
-                <adec:decorative xmlns:adec="http://schemas.microsoft.com/office/drawing/2017/decorative" xmlns="" val="1"/>
-              </a:ext>
-            </a:extLst>
-          </p:cNvPr>
-          <p:cNvSpPr>
-            <a:spLocks noGrp="1" noRot="1" noChangeAspect="1" noMove="1" noResize="1" noEditPoints="1" noAdjustHandles="1" noChangeArrowheads="1" noChangeShapeType="1" noTextEdit="1"/>
-          </p:cNvSpPr>
-          <p:nvPr>
-            <p:extLst>
-              <p:ext uri="{386F3935-93C4-4BCD-93E2-E3B085C9AB24}">
-                <p16:designElem xmlns:p16="http://schemas.microsoft.com/office/powerpoint/2015/main" xmlns="" val="1"/>
-              </p:ext>
-            </p:extLst>
-          </p:nvPr>
-        </p:nvSpPr>
-        <p:spPr>
-          <a:xfrm>
-            <a:off x="3458819" y="1037066"/>
-            <a:ext cx="127714" cy="127714"/>
-          </a:xfrm>
-          <a:custGeom>
-            <a:avLst/>
-            <a:gdLst>
-              <a:gd name="connsiteX0" fmla="*/ 63857 w 127714"/>
-              <a:gd name="connsiteY0" fmla="*/ 18874 h 127714"/>
-              <a:gd name="connsiteX1" fmla="*/ 108840 w 127714"/>
-              <a:gd name="connsiteY1" fmla="*/ 63857 h 127714"/>
-              <a:gd name="connsiteX2" fmla="*/ 63857 w 127714"/>
-              <a:gd name="connsiteY2" fmla="*/ 108840 h 127714"/>
-              <a:gd name="connsiteX3" fmla="*/ 18874 w 127714"/>
-              <a:gd name="connsiteY3" fmla="*/ 63857 h 127714"/>
-              <a:gd name="connsiteX4" fmla="*/ 63857 w 127714"/>
-              <a:gd name="connsiteY4" fmla="*/ 18874 h 127714"/>
-              <a:gd name="connsiteX5" fmla="*/ 63857 w 127714"/>
-              <a:gd name="connsiteY5" fmla="*/ 0 h 127714"/>
-              <a:gd name="connsiteX6" fmla="*/ 0 w 127714"/>
-              <a:gd name="connsiteY6" fmla="*/ 63857 h 127714"/>
-              <a:gd name="connsiteX7" fmla="*/ 63857 w 127714"/>
-              <a:gd name="connsiteY7" fmla="*/ 127714 h 127714"/>
-              <a:gd name="connsiteX8" fmla="*/ 127714 w 127714"/>
-              <a:gd name="connsiteY8" fmla="*/ 63857 h 127714"/>
-              <a:gd name="connsiteX9" fmla="*/ 63857 w 127714"/>
-              <a:gd name="connsiteY9" fmla="*/ 0 h 127714"/>
-            </a:gdLst>
-            <a:ahLst/>
-            <a:cxnLst>
-              <a:cxn ang="0">
-                <a:pos x="connsiteX0" y="connsiteY0"/>
-              </a:cxn>
-              <a:cxn ang="0">
-                <a:pos x="connsiteX1" y="connsiteY1"/>
-              </a:cxn>
-              <a:cxn ang="0">
-                <a:pos x="connsiteX2" y="connsiteY2"/>
-              </a:cxn>
-              <a:cxn ang="0">
-                <a:pos x="connsiteX3" y="connsiteY3"/>
-              </a:cxn>
-              <a:cxn ang="0">
-                <a:pos x="connsiteX4" y="connsiteY4"/>
-              </a:cxn>
-              <a:cxn ang="0">
-                <a:pos x="connsiteX5" y="connsiteY5"/>
-              </a:cxn>
-              <a:cxn ang="0">
-                <a:pos x="connsiteX6" y="connsiteY6"/>
-              </a:cxn>
-              <a:cxn ang="0">
-                <a:pos x="connsiteX7" y="connsiteY7"/>
-              </a:cxn>
-              <a:cxn ang="0">
-                <a:pos x="connsiteX8" y="connsiteY8"/>
-              </a:cxn>
-              <a:cxn ang="0">
-                <a:pos x="connsiteX9" y="connsiteY9"/>
-              </a:cxn>
-            </a:cxnLst>
-            <a:rect l="l" t="t" r="r" b="b"/>
-            <a:pathLst>
-              <a:path w="127714" h="127714">
-                <a:moveTo>
-                  <a:pt x="63857" y="18874"/>
-                </a:moveTo>
-                <a:cubicBezTo>
-                  <a:pt x="88700" y="18874"/>
-                  <a:pt x="108840" y="39014"/>
-                  <a:pt x="108840" y="63857"/>
-                </a:cubicBezTo>
-                <a:cubicBezTo>
-                  <a:pt x="108840" y="88700"/>
-                  <a:pt x="88700" y="108840"/>
-                  <a:pt x="63857" y="108840"/>
-                </a:cubicBezTo>
-                <a:cubicBezTo>
-                  <a:pt x="39014" y="108840"/>
-                  <a:pt x="18874" y="88700"/>
-                  <a:pt x="18874" y="63857"/>
-                </a:cubicBezTo>
-                <a:cubicBezTo>
-                  <a:pt x="18898" y="39024"/>
-                  <a:pt x="39024" y="18898"/>
-                  <a:pt x="63857" y="18874"/>
-                </a:cubicBezTo>
-                <a:moveTo>
-                  <a:pt x="63857" y="0"/>
-                </a:moveTo>
-                <a:cubicBezTo>
-                  <a:pt x="28590" y="0"/>
-                  <a:pt x="0" y="28590"/>
-                  <a:pt x="0" y="63857"/>
-                </a:cubicBezTo>
-                <a:cubicBezTo>
-                  <a:pt x="0" y="99124"/>
-                  <a:pt x="28590" y="127714"/>
-                  <a:pt x="63857" y="127714"/>
-                </a:cubicBezTo>
-                <a:cubicBezTo>
-                  <a:pt x="99124" y="127714"/>
-                  <a:pt x="127714" y="99124"/>
-                  <a:pt x="127714" y="63857"/>
-                </a:cubicBezTo>
-                <a:cubicBezTo>
-                  <a:pt x="127714" y="28590"/>
-                  <a:pt x="99124" y="0"/>
-                  <a:pt x="63857" y="0"/>
-                </a:cubicBezTo>
-                <a:close/>
-              </a:path>
-            </a:pathLst>
-          </a:custGeom>
-          <a:solidFill>
-            <a:srgbClr val="FFFFFF"/>
-          </a:solidFill>
-          <a:ln w="610" cap="flat">
-            <a:noFill/>
-            <a:prstDash val="solid"/>
-            <a:miter/>
-          </a:ln>
-        </p:spPr>
-        <p:txBody>
-          <a:bodyPr rtlCol="0" anchor="ctr"/>
-          <a:lstStyle/>
-          <a:p>
-            <a:pPr marL="0" marR="0" lvl="0" indent="0" algn="l" defTabSz="914400" rtl="0" eaLnBrk="1" fontAlgn="auto" latinLnBrk="0" hangingPunct="1">
-              <a:lnSpc>
-                <a:spcPct val="100000"/>
-              </a:lnSpc>
-              <a:spcBef>
-                <a:spcPts val="0"/>
-              </a:spcBef>
-              <a:spcAft>
-                <a:spcPts val="0"/>
-              </a:spcAft>
-              <a:buClrTx/>
-              <a:buSzTx/>
-              <a:buFontTx/>
-              <a:buNone/>
-              <a:tabLst/>
-              <a:defRPr/>
-            </a:pPr>
-            <a:endParaRPr kumimoji="0" lang="en-US" sz="1800" b="0" i="0" u="none" strike="noStrike" kern="1200" cap="none" spc="0" normalizeH="0" baseline="0" noProof="0">
-              <a:ln>
-                <a:noFill/>
-              </a:ln>
-              <a:solidFill>
-                <a:srgbClr val="FFFFFF"/>
-              </a:solidFill>
-              <a:effectLst/>
-              <a:uLnTx/>
-              <a:uFillTx/>
-              <a:latin typeface="Calibri" panose="020F0502020204030204"/>
-              <a:ea typeface="+mn-ea"/>
-              <a:cs typeface="+mn-cs"/>
-            </a:endParaRPr>
-          </a:p>
-        </p:txBody>
-      </p:sp>
-      <p:cxnSp>
-        <p:nvCxnSpPr>
-          <p:cNvPr id="19" name="Straight Connector 18">
-            <a:extLst>
-              <a:ext uri="{FF2B5EF4-FFF2-40B4-BE49-F238E27FC236}">
-                <a16:creationId xmlns:a16="http://schemas.microsoft.com/office/drawing/2014/main" xmlns="" id="{56020367-4FD5-4596-8E10-C5F095CD8DBF}"/>
-              </a:ext>
-              <a:ext uri="{C183D7F6-B498-43B3-948B-1728B52AA6E4}">
-                <adec:decorative xmlns:adec="http://schemas.microsoft.com/office/drawing/2017/decorative" xmlns="" val="1"/>
-              </a:ext>
-            </a:extLst>
-          </p:cNvPr>
-          <p:cNvCxnSpPr>
-            <a:cxnSpLocks noGrp="1" noRot="1" noChangeAspect="1" noMove="1" noResize="1" noEditPoints="1" noAdjustHandles="1" noChangeArrowheads="1" noChangeShapeType="1"/>
-          </p:cNvCxnSpPr>
-          <p:nvPr>
-            <p:extLst>
-              <p:ext uri="{386F3935-93C4-4BCD-93E2-E3B085C9AB24}">
-                <p16:designElem xmlns:p16="http://schemas.microsoft.com/office/powerpoint/2015/main" xmlns="" val="1"/>
-              </p:ext>
-            </p:extLst>
-          </p:nvPr>
-        </p:nvCxnSpPr>
-        <p:spPr>
-          <a:xfrm>
-            <a:off x="856114" y="3503032"/>
-            <a:ext cx="0" cy="3346090"/>
-          </a:xfrm>
-          <a:prstGeom prst="line">
-            <a:avLst/>
-          </a:prstGeom>
-          <a:ln w="25400" cap="sq">
-            <a:solidFill>
-              <a:srgbClr val="FFFFFF"/>
-            </a:solidFill>
-            <a:bevel/>
-          </a:ln>
-        </p:spPr>
-        <p:style>
-          <a:lnRef idx="1">
-            <a:schemeClr val="accent1"/>
-          </a:lnRef>
-          <a:fillRef idx="0">
-            <a:schemeClr val="accent1"/>
-          </a:fillRef>
-          <a:effectRef idx="0">
-            <a:schemeClr val="accent1"/>
-          </a:effectRef>
-          <a:fontRef idx="minor">
-            <a:schemeClr val="tx1"/>
-          </a:fontRef>
-        </p:style>
-      </p:cxnSp>
-      <p:sp>
-        <p:nvSpPr>
-          <p:cNvPr id="21" name="Graphic 22">
-            <a:extLst>
-              <a:ext uri="{FF2B5EF4-FFF2-40B4-BE49-F238E27FC236}">
-                <a16:creationId xmlns:a16="http://schemas.microsoft.com/office/drawing/2014/main" xmlns="" id="{508BEF50-7B1E-49A4-BC19-5F4F1D755E64}"/>
-              </a:ext>
-              <a:ext uri="{C183D7F6-B498-43B3-948B-1728B52AA6E4}">
-                <adec:decorative xmlns:adec="http://schemas.microsoft.com/office/drawing/2017/decorative" xmlns="" val="1"/>
-              </a:ext>
-            </a:extLst>
-          </p:cNvPr>
-          <p:cNvSpPr>
-            <a:spLocks noGrp="1" noRot="1" noChangeAspect="1" noMove="1" noResize="1" noEditPoints="1" noAdjustHandles="1" noChangeArrowheads="1" noChangeShapeType="1" noTextEdit="1"/>
-          </p:cNvSpPr>
-          <p:nvPr>
-            <p:extLst>
-              <p:ext uri="{386F3935-93C4-4BCD-93E2-E3B085C9AB24}">
-                <p16:designElem xmlns:p16="http://schemas.microsoft.com/office/powerpoint/2015/main" xmlns="" val="1"/>
-              </p:ext>
-            </p:extLst>
-          </p:nvPr>
-        </p:nvSpPr>
-        <p:spPr>
-          <a:xfrm>
-            <a:off x="10836425" y="5636680"/>
-            <a:ext cx="151536" cy="151536"/>
-          </a:xfrm>
-          <a:custGeom>
-            <a:avLst/>
-            <a:gdLst>
-              <a:gd name="connsiteX0" fmla="*/ 141251 w 151536"/>
-              <a:gd name="connsiteY0" fmla="*/ 65483 h 151536"/>
-              <a:gd name="connsiteX1" fmla="*/ 86053 w 151536"/>
-              <a:gd name="connsiteY1" fmla="*/ 65483 h 151536"/>
-              <a:gd name="connsiteX2" fmla="*/ 86053 w 151536"/>
-              <a:gd name="connsiteY2" fmla="*/ 10285 h 151536"/>
-              <a:gd name="connsiteX3" fmla="*/ 75768 w 151536"/>
-              <a:gd name="connsiteY3" fmla="*/ 0 h 151536"/>
-              <a:gd name="connsiteX4" fmla="*/ 65483 w 151536"/>
-              <a:gd name="connsiteY4" fmla="*/ 10285 h 151536"/>
-              <a:gd name="connsiteX5" fmla="*/ 65483 w 151536"/>
-              <a:gd name="connsiteY5" fmla="*/ 65483 h 151536"/>
-              <a:gd name="connsiteX6" fmla="*/ 10285 w 151536"/>
-              <a:gd name="connsiteY6" fmla="*/ 65483 h 151536"/>
-              <a:gd name="connsiteX7" fmla="*/ 0 w 151536"/>
-              <a:gd name="connsiteY7" fmla="*/ 75768 h 151536"/>
-              <a:gd name="connsiteX8" fmla="*/ 10285 w 151536"/>
-              <a:gd name="connsiteY8" fmla="*/ 86053 h 151536"/>
-              <a:gd name="connsiteX9" fmla="*/ 65483 w 151536"/>
-              <a:gd name="connsiteY9" fmla="*/ 86053 h 151536"/>
-              <a:gd name="connsiteX10" fmla="*/ 65483 w 151536"/>
-              <a:gd name="connsiteY10" fmla="*/ 141251 h 151536"/>
-              <a:gd name="connsiteX11" fmla="*/ 75768 w 151536"/>
-              <a:gd name="connsiteY11" fmla="*/ 151536 h 151536"/>
-              <a:gd name="connsiteX12" fmla="*/ 86053 w 151536"/>
-              <a:gd name="connsiteY12" fmla="*/ 141251 h 151536"/>
-              <a:gd name="connsiteX13" fmla="*/ 86053 w 151536"/>
-              <a:gd name="connsiteY13" fmla="*/ 86053 h 151536"/>
-              <a:gd name="connsiteX14" fmla="*/ 141251 w 151536"/>
-              <a:gd name="connsiteY14" fmla="*/ 86053 h 151536"/>
-              <a:gd name="connsiteX15" fmla="*/ 151536 w 151536"/>
-              <a:gd name="connsiteY15" fmla="*/ 75768 h 151536"/>
-              <a:gd name="connsiteX16" fmla="*/ 141251 w 151536"/>
-              <a:gd name="connsiteY16" fmla="*/ 65483 h 151536"/>
-            </a:gdLst>
-            <a:ahLst/>
-            <a:cxnLst>
-              <a:cxn ang="0">
-                <a:pos x="connsiteX0" y="connsiteY0"/>
-              </a:cxn>
-              <a:cxn ang="0">
-                <a:pos x="connsiteX1" y="connsiteY1"/>
-              </a:cxn>
-              <a:cxn ang="0">
-                <a:pos x="connsiteX2" y="connsiteY2"/>
-              </a:cxn>
-              <a:cxn ang="0">
-                <a:pos x="connsiteX3" y="connsiteY3"/>
-              </a:cxn>
-              <a:cxn ang="0">
-                <a:pos x="connsiteX4" y="connsiteY4"/>
-              </a:cxn>
-              <a:cxn ang="0">
-                <a:pos x="connsiteX5" y="connsiteY5"/>
-              </a:cxn>
-              <a:cxn ang="0">
-                <a:pos x="connsiteX6" y="connsiteY6"/>
-              </a:cxn>
-              <a:cxn ang="0">
-                <a:pos x="connsiteX7" y="connsiteY7"/>
-              </a:cxn>
-              <a:cxn ang="0">
-                <a:pos x="connsiteX8" y="connsiteY8"/>
-              </a:cxn>
-              <a:cxn ang="0">
-                <a:pos x="connsiteX9" y="connsiteY9"/>
-              </a:cxn>
-              <a:cxn ang="0">
-                <a:pos x="connsiteX10" y="connsiteY10"/>
-              </a:cxn>
-              <a:cxn ang="0">
-                <a:pos x="connsiteX11" y="connsiteY11"/>
-              </a:cxn>
-              <a:cxn ang="0">
-                <a:pos x="connsiteX12" y="connsiteY12"/>
-              </a:cxn>
-              <a:cxn ang="0">
-                <a:pos x="connsiteX13" y="connsiteY13"/>
-              </a:cxn>
-              <a:cxn ang="0">
-                <a:pos x="connsiteX14" y="connsiteY14"/>
-              </a:cxn>
-              <a:cxn ang="0">
-                <a:pos x="connsiteX15" y="connsiteY15"/>
-              </a:cxn>
-              <a:cxn ang="0">
-                <a:pos x="connsiteX16" y="connsiteY16"/>
-              </a:cxn>
-            </a:cxnLst>
-            <a:rect l="l" t="t" r="r" b="b"/>
-            <a:pathLst>
-              <a:path w="151536" h="151536">
-                <a:moveTo>
-                  <a:pt x="141251" y="65483"/>
-                </a:moveTo>
-                <a:lnTo>
-                  <a:pt x="86053" y="65483"/>
-                </a:lnTo>
-                <a:lnTo>
-                  <a:pt x="86053" y="10285"/>
-                </a:lnTo>
-                <a:cubicBezTo>
-                  <a:pt x="86053" y="4605"/>
-                  <a:pt x="81448" y="0"/>
-                  <a:pt x="75768" y="0"/>
-                </a:cubicBezTo>
-                <a:cubicBezTo>
-                  <a:pt x="70088" y="0"/>
-                  <a:pt x="65483" y="4605"/>
-                  <a:pt x="65483" y="10285"/>
-                </a:cubicBezTo>
-                <a:lnTo>
-                  <a:pt x="65483" y="65483"/>
-                </a:lnTo>
-                <a:lnTo>
-                  <a:pt x="10285" y="65483"/>
-                </a:lnTo>
-                <a:cubicBezTo>
-                  <a:pt x="4605" y="65483"/>
-                  <a:pt x="0" y="70088"/>
-                  <a:pt x="0" y="75768"/>
-                </a:cubicBezTo>
-                <a:cubicBezTo>
-                  <a:pt x="0" y="81448"/>
-                  <a:pt x="4605" y="86053"/>
-                  <a:pt x="10285" y="86053"/>
-                </a:cubicBezTo>
-                <a:lnTo>
-                  <a:pt x="65483" y="86053"/>
-                </a:lnTo>
-                <a:lnTo>
-                  <a:pt x="65483" y="141251"/>
-                </a:lnTo>
-                <a:cubicBezTo>
-                  <a:pt x="65483" y="146931"/>
-                  <a:pt x="70088" y="151536"/>
-                  <a:pt x="75768" y="151536"/>
-                </a:cubicBezTo>
-                <a:cubicBezTo>
-                  <a:pt x="81448" y="151536"/>
-                  <a:pt x="86053" y="146931"/>
-                  <a:pt x="86053" y="141251"/>
-                </a:cubicBezTo>
-                <a:lnTo>
-                  <a:pt x="86053" y="86053"/>
-                </a:lnTo>
-                <a:lnTo>
-                  <a:pt x="141251" y="86053"/>
-                </a:lnTo>
-                <a:cubicBezTo>
-                  <a:pt x="146931" y="86053"/>
-                  <a:pt x="151536" y="81448"/>
-                  <a:pt x="151536" y="75768"/>
-                </a:cubicBezTo>
-                <a:cubicBezTo>
-                  <a:pt x="151536" y="70088"/>
-                  <a:pt x="146931" y="65483"/>
-                  <a:pt x="141251" y="65483"/>
-                </a:cubicBezTo>
-                <a:close/>
-              </a:path>
-            </a:pathLst>
-          </a:custGeom>
-          <a:solidFill>
-            <a:srgbClr val="FFFFFF"/>
-          </a:solidFill>
-          <a:ln w="646" cap="flat">
-            <a:noFill/>
-            <a:prstDash val="solid"/>
-            <a:miter/>
-          </a:ln>
-        </p:spPr>
-        <p:txBody>
-          <a:bodyPr rtlCol="0" anchor="ctr"/>
-          <a:lstStyle/>
-          <a:p>
-            <a:pPr marL="0" marR="0" lvl="0" indent="0" algn="l" defTabSz="914400" rtl="0" eaLnBrk="1" fontAlgn="auto" latinLnBrk="0" hangingPunct="1">
-              <a:lnSpc>
-                <a:spcPct val="100000"/>
-              </a:lnSpc>
-              <a:spcBef>
-                <a:spcPts val="0"/>
-              </a:spcBef>
-              <a:spcAft>
-                <a:spcPts val="0"/>
-              </a:spcAft>
-              <a:buClrTx/>
-              <a:buSzTx/>
-              <a:buFontTx/>
-              <a:buNone/>
-              <a:tabLst/>
-              <a:defRPr/>
-            </a:pPr>
-            <a:endParaRPr kumimoji="0" lang="en-US" sz="1800" b="0" i="0" u="none" strike="noStrike" kern="1200" cap="none" spc="0" normalizeH="0" baseline="0" noProof="0">
-              <a:ln>
-                <a:noFill/>
-              </a:ln>
-              <a:solidFill>
-                <a:srgbClr val="FFFFFF"/>
-              </a:solidFill>
-              <a:effectLst/>
-              <a:uLnTx/>
-              <a:uFillTx/>
-              <a:latin typeface="Calibri" panose="020F0502020204030204"/>
-              <a:ea typeface="+mn-ea"/>
-              <a:cs typeface="+mn-cs"/>
-            </a:endParaRPr>
-          </a:p>
-        </p:txBody>
-      </p:sp>
-      <p:sp>
-        <p:nvSpPr>
-          <p:cNvPr id="23" name="Graphic 23">
-            <a:extLst>
-              <a:ext uri="{FF2B5EF4-FFF2-40B4-BE49-F238E27FC236}">
-                <a16:creationId xmlns:a16="http://schemas.microsoft.com/office/drawing/2014/main" xmlns="" id="{3FBAD350-5664-4811-A208-657FB882D350}"/>
-              </a:ext>
-              <a:ext uri="{C183D7F6-B498-43B3-948B-1728B52AA6E4}">
-                <adec:decorative xmlns:adec="http://schemas.microsoft.com/office/drawing/2017/decorative" xmlns="" val="1"/>
-              </a:ext>
-            </a:extLst>
-          </p:cNvPr>
-          <p:cNvSpPr>
-            <a:spLocks noGrp="1" noRot="1" noChangeAspect="1" noMove="1" noResize="1" noEditPoints="1" noAdjustHandles="1" noChangeArrowheads="1" noChangeShapeType="1" noTextEdit="1"/>
-          </p:cNvSpPr>
-          <p:nvPr>
-            <p:extLst>
-              <p:ext uri="{386F3935-93C4-4BCD-93E2-E3B085C9AB24}">
-                <p16:designElem xmlns:p16="http://schemas.microsoft.com/office/powerpoint/2015/main" xmlns="" val="1"/>
-              </p:ext>
-            </p:extLst>
-          </p:nvPr>
-        </p:nvSpPr>
-        <p:spPr>
-          <a:xfrm>
-            <a:off x="11245175" y="6096759"/>
-            <a:ext cx="108625" cy="108625"/>
-          </a:xfrm>
-          <a:custGeom>
-            <a:avLst/>
-            <a:gdLst>
-              <a:gd name="connsiteX0" fmla="*/ 54313 w 108625"/>
-              <a:gd name="connsiteY0" fmla="*/ 16053 h 108625"/>
-              <a:gd name="connsiteX1" fmla="*/ 92572 w 108625"/>
-              <a:gd name="connsiteY1" fmla="*/ 54313 h 108625"/>
-              <a:gd name="connsiteX2" fmla="*/ 54313 w 108625"/>
-              <a:gd name="connsiteY2" fmla="*/ 92572 h 108625"/>
-              <a:gd name="connsiteX3" fmla="*/ 16053 w 108625"/>
-              <a:gd name="connsiteY3" fmla="*/ 54313 h 108625"/>
-              <a:gd name="connsiteX4" fmla="*/ 54313 w 108625"/>
-              <a:gd name="connsiteY4" fmla="*/ 16053 h 108625"/>
-              <a:gd name="connsiteX5" fmla="*/ 54313 w 108625"/>
-              <a:gd name="connsiteY5" fmla="*/ 0 h 108625"/>
-              <a:gd name="connsiteX6" fmla="*/ 0 w 108625"/>
-              <a:gd name="connsiteY6" fmla="*/ 54313 h 108625"/>
-              <a:gd name="connsiteX7" fmla="*/ 54313 w 108625"/>
-              <a:gd name="connsiteY7" fmla="*/ 108625 h 108625"/>
-              <a:gd name="connsiteX8" fmla="*/ 108625 w 108625"/>
-              <a:gd name="connsiteY8" fmla="*/ 54313 h 108625"/>
-              <a:gd name="connsiteX9" fmla="*/ 54313 w 108625"/>
-              <a:gd name="connsiteY9" fmla="*/ 0 h 108625"/>
-            </a:gdLst>
-            <a:ahLst/>
-            <a:cxnLst>
-              <a:cxn ang="0">
-                <a:pos x="connsiteX0" y="connsiteY0"/>
-              </a:cxn>
-              <a:cxn ang="0">
-                <a:pos x="connsiteX1" y="connsiteY1"/>
-              </a:cxn>
-              <a:cxn ang="0">
-                <a:pos x="connsiteX2" y="connsiteY2"/>
-              </a:cxn>
-              <a:cxn ang="0">
-                <a:pos x="connsiteX3" y="connsiteY3"/>
-              </a:cxn>
-              <a:cxn ang="0">
-                <a:pos x="connsiteX4" y="connsiteY4"/>
-              </a:cxn>
-              <a:cxn ang="0">
-                <a:pos x="connsiteX5" y="connsiteY5"/>
-              </a:cxn>
-              <a:cxn ang="0">
-                <a:pos x="connsiteX6" y="connsiteY6"/>
-              </a:cxn>
-              <a:cxn ang="0">
-                <a:pos x="connsiteX7" y="connsiteY7"/>
-              </a:cxn>
-              <a:cxn ang="0">
-                <a:pos x="connsiteX8" y="connsiteY8"/>
-              </a:cxn>
-              <a:cxn ang="0">
-                <a:pos x="connsiteX9" y="connsiteY9"/>
-              </a:cxn>
-            </a:cxnLst>
-            <a:rect l="l" t="t" r="r" b="b"/>
-            <a:pathLst>
-              <a:path w="108625" h="108625">
-                <a:moveTo>
-                  <a:pt x="54313" y="16053"/>
-                </a:moveTo>
-                <a:cubicBezTo>
-                  <a:pt x="75442" y="16053"/>
-                  <a:pt x="92572" y="33182"/>
-                  <a:pt x="92572" y="54313"/>
-                </a:cubicBezTo>
-                <a:cubicBezTo>
-                  <a:pt x="92572" y="75442"/>
-                  <a:pt x="75442" y="92572"/>
-                  <a:pt x="54313" y="92572"/>
-                </a:cubicBezTo>
-                <a:cubicBezTo>
-                  <a:pt x="33182" y="92572"/>
-                  <a:pt x="16053" y="75442"/>
-                  <a:pt x="16053" y="54313"/>
-                </a:cubicBezTo>
-                <a:cubicBezTo>
-                  <a:pt x="16074" y="33191"/>
-                  <a:pt x="33191" y="16074"/>
-                  <a:pt x="54313" y="16053"/>
-                </a:cubicBezTo>
-                <a:moveTo>
-                  <a:pt x="54313" y="0"/>
-                </a:moveTo>
-                <a:cubicBezTo>
-                  <a:pt x="24317" y="0"/>
-                  <a:pt x="0" y="24317"/>
-                  <a:pt x="0" y="54313"/>
-                </a:cubicBezTo>
-                <a:cubicBezTo>
-                  <a:pt x="0" y="84309"/>
-                  <a:pt x="24317" y="108625"/>
-                  <a:pt x="54313" y="108625"/>
-                </a:cubicBezTo>
-                <a:cubicBezTo>
-                  <a:pt x="84309" y="108625"/>
-                  <a:pt x="108625" y="84309"/>
-                  <a:pt x="108625" y="54313"/>
-                </a:cubicBezTo>
-                <a:cubicBezTo>
-                  <a:pt x="108625" y="24317"/>
-                  <a:pt x="84309" y="0"/>
-                  <a:pt x="54313" y="0"/>
-                </a:cubicBezTo>
-                <a:close/>
-              </a:path>
-            </a:pathLst>
-          </a:custGeom>
-          <a:solidFill>
-            <a:srgbClr val="FFFFFF"/>
-          </a:solidFill>
-          <a:ln w="516" cap="flat">
-            <a:noFill/>
-            <a:prstDash val="solid"/>
-            <a:miter/>
-          </a:ln>
-        </p:spPr>
-        <p:txBody>
-          <a:bodyPr rtlCol="0" anchor="ctr"/>
-          <a:lstStyle/>
-          <a:p>
-            <a:pPr marL="0" marR="0" lvl="0" indent="0" algn="l" defTabSz="914400" rtl="0" eaLnBrk="1" fontAlgn="auto" latinLnBrk="0" hangingPunct="1">
-              <a:lnSpc>
-                <a:spcPct val="100000"/>
-              </a:lnSpc>
-              <a:spcBef>
-                <a:spcPts val="0"/>
-              </a:spcBef>
-              <a:spcAft>
-                <a:spcPts val="0"/>
-              </a:spcAft>
-              <a:buClrTx/>
-              <a:buSzTx/>
-              <a:buFontTx/>
-              <a:buNone/>
-              <a:tabLst/>
-              <a:defRPr/>
-            </a:pPr>
-            <a:endParaRPr kumimoji="0" lang="en-US" sz="1800" b="0" i="0" u="none" strike="noStrike" kern="1200" cap="none" spc="0" normalizeH="0" baseline="0" noProof="0">
-              <a:ln>
-                <a:noFill/>
-              </a:ln>
-              <a:solidFill>
-                <a:srgbClr val="FFFFFF"/>
-              </a:solidFill>
-              <a:effectLst/>
-              <a:uLnTx/>
-              <a:uFillTx/>
-              <a:latin typeface="Calibri" panose="020F0502020204030204"/>
-              <a:ea typeface="+mn-ea"/>
-              <a:cs typeface="+mn-cs"/>
-            </a:endParaRPr>
-          </a:p>
-        </p:txBody>
-      </p:sp>
-      <p:sp>
-        <p:nvSpPr>
-          <p:cNvPr id="25" name="Graphic 21">
-            <a:extLst>
-              <a:ext uri="{FF2B5EF4-FFF2-40B4-BE49-F238E27FC236}">
-                <a16:creationId xmlns:a16="http://schemas.microsoft.com/office/drawing/2014/main" xmlns="" id="{C39ADB8F-D187-49D7-BDCF-C1B6DC727068}"/>
-              </a:ext>
-              <a:ext uri="{C183D7F6-B498-43B3-948B-1728B52AA6E4}">
-                <adec:decorative xmlns:adec="http://schemas.microsoft.com/office/drawing/2017/decorative" xmlns="" val="1"/>
-              </a:ext>
-            </a:extLst>
-          </p:cNvPr>
-          <p:cNvSpPr>
-            <a:spLocks noGrp="1" noRot="1" noChangeAspect="1" noMove="1" noResize="1" noEditPoints="1" noAdjustHandles="1" noChangeArrowheads="1" noChangeShapeType="1" noTextEdit="1"/>
-          </p:cNvSpPr>
-          <p:nvPr>
-            <p:extLst>
-              <p:ext uri="{386F3935-93C4-4BCD-93E2-E3B085C9AB24}">
-                <p16:designElem xmlns:p16="http://schemas.microsoft.com/office/powerpoint/2015/main" xmlns="" val="1"/>
-              </p:ext>
-            </p:extLst>
-          </p:nvPr>
-        </p:nvSpPr>
-        <p:spPr>
-          <a:xfrm>
-            <a:off x="10554288" y="6238029"/>
-            <a:ext cx="95759" cy="95759"/>
-          </a:xfrm>
-          <a:custGeom>
-            <a:avLst/>
-            <a:gdLst>
-              <a:gd name="connsiteX0" fmla="*/ 95759 w 95759"/>
-              <a:gd name="connsiteY0" fmla="*/ 47880 h 95759"/>
-              <a:gd name="connsiteX1" fmla="*/ 47880 w 95759"/>
-              <a:gd name="connsiteY1" fmla="*/ 95759 h 95759"/>
-              <a:gd name="connsiteX2" fmla="*/ 0 w 95759"/>
-              <a:gd name="connsiteY2" fmla="*/ 47880 h 95759"/>
-              <a:gd name="connsiteX3" fmla="*/ 47880 w 95759"/>
-              <a:gd name="connsiteY3" fmla="*/ 0 h 95759"/>
-              <a:gd name="connsiteX4" fmla="*/ 95759 w 95759"/>
-              <a:gd name="connsiteY4" fmla="*/ 47880 h 95759"/>
-            </a:gdLst>
-            <a:ahLst/>
-            <a:cxnLst>
-              <a:cxn ang="0">
-                <a:pos x="connsiteX0" y="connsiteY0"/>
-              </a:cxn>
-              <a:cxn ang="0">
-                <a:pos x="connsiteX1" y="connsiteY1"/>
-              </a:cxn>
-              <a:cxn ang="0">
-                <a:pos x="connsiteX2" y="connsiteY2"/>
-              </a:cxn>
-              <a:cxn ang="0">
-                <a:pos x="connsiteX3" y="connsiteY3"/>
-              </a:cxn>
-              <a:cxn ang="0">
-                <a:pos x="connsiteX4" y="connsiteY4"/>
-              </a:cxn>
-            </a:cxnLst>
-            <a:rect l="l" t="t" r="r" b="b"/>
-            <a:pathLst>
-              <a:path w="95759" h="95759">
-                <a:moveTo>
-                  <a:pt x="95759" y="47880"/>
-                </a:moveTo>
-                <a:cubicBezTo>
-                  <a:pt x="95759" y="74323"/>
-                  <a:pt x="74323" y="95759"/>
-                  <a:pt x="47880" y="95759"/>
-                </a:cubicBezTo>
-                <a:cubicBezTo>
-                  <a:pt x="21436" y="95759"/>
-                  <a:pt x="0" y="74323"/>
-                  <a:pt x="0" y="47880"/>
-                </a:cubicBezTo>
-                <a:cubicBezTo>
-                  <a:pt x="0" y="21436"/>
-                  <a:pt x="21436" y="0"/>
-                  <a:pt x="47880" y="0"/>
-                </a:cubicBezTo>
-                <a:cubicBezTo>
-                  <a:pt x="74323" y="0"/>
-                  <a:pt x="95759" y="21436"/>
-                  <a:pt x="95759" y="47880"/>
-                </a:cubicBezTo>
-                <a:close/>
-              </a:path>
-            </a:pathLst>
-          </a:custGeom>
-          <a:solidFill>
-            <a:srgbClr val="FFFFFF"/>
-          </a:solidFill>
-          <a:ln w="469" cap="flat">
-            <a:noFill/>
-            <a:prstDash val="solid"/>
-            <a:miter/>
-          </a:ln>
-        </p:spPr>
-        <p:txBody>
-          <a:bodyPr rtlCol="0" anchor="ctr"/>
-          <a:lstStyle/>
-          <a:p>
-            <a:pPr marL="0" marR="0" lvl="0" indent="0" algn="l" defTabSz="914400" rtl="0" eaLnBrk="1" fontAlgn="auto" latinLnBrk="0" hangingPunct="1">
-              <a:lnSpc>
-                <a:spcPct val="100000"/>
-              </a:lnSpc>
-              <a:spcBef>
-                <a:spcPts val="0"/>
-              </a:spcBef>
-              <a:spcAft>
-                <a:spcPts val="0"/>
-              </a:spcAft>
-              <a:buClrTx/>
-              <a:buSzTx/>
-              <a:buFontTx/>
-              <a:buNone/>
-              <a:tabLst/>
-              <a:defRPr/>
-            </a:pPr>
-            <a:endParaRPr kumimoji="0" lang="en-US" sz="1800" b="0" i="0" u="none" strike="noStrike" kern="1200" cap="none" spc="0" normalizeH="0" baseline="0" noProof="0">
-              <a:ln>
-                <a:noFill/>
-              </a:ln>
-              <a:solidFill>
-                <a:srgbClr val="FFFFFF"/>
-              </a:solidFill>
-              <a:effectLst/>
-              <a:uLnTx/>
-              <a:uFillTx/>
-              <a:latin typeface="Calibri" panose="020F0502020204030204"/>
-              <a:ea typeface="+mn-ea"/>
-              <a:cs typeface="+mn-cs"/>
-            </a:endParaRPr>
+            <a:r>
+              <a:rPr lang="en-US" dirty="0" smtClean="0">
+                <a:hlinkClick r:id="rId2"/>
+              </a:rPr>
+              <a:t>https</a:t>
+            </a:r>
+            <a:r>
+              <a:rPr lang="en-US" dirty="0" smtClean="0">
+                <a:hlinkClick r:id="rId2"/>
+              </a:rPr>
+              <a:t>://</a:t>
+            </a:r>
+            <a:r>
+              <a:rPr lang="en-US" dirty="0" smtClean="0">
+                <a:hlinkClick r:id="rId2"/>
+              </a:rPr>
+              <a:t>github.com/SharkyRCC/Covid-19-Classification</a:t>
+            </a:r>
+            <a:endParaRPr lang="en-US" dirty="0" smtClean="0"/>
+          </a:p>
+          <a:p>
+            <a:endParaRPr lang="en-US" dirty="0"/>
           </a:p>
         </p:txBody>
       </p:sp>
     </p:spTree>
-    <p:extLst>
-      <p:ext uri="{BB962C8B-B14F-4D97-AF65-F5344CB8AC3E}">
-        <p14:creationId xmlns:p14="http://schemas.microsoft.com/office/powerpoint/2010/main" xmlns="" val="3267242367"/>
-      </p:ext>
-    </p:extLst>
   </p:cSld>
   <p:clrMapOvr>
     <a:masterClrMapping/>
@@ -9002,10 +7627,10 @@
           <p:cNvPr id="10" name="Rectangle 9">
             <a:extLst>
               <a:ext uri="{FF2B5EF4-FFF2-40B4-BE49-F238E27FC236}">
-                <a16:creationId xmlns:a16="http://schemas.microsoft.com/office/drawing/2014/main" xmlns="" id="{45D37F4E-DDB4-456B-97E0-9937730A039F}"/>
+                <a16:creationId xmlns="" xmlns:a16="http://schemas.microsoft.com/office/drawing/2014/main" id="{45D37F4E-DDB4-456B-97E0-9937730A039F}"/>
               </a:ext>
               <a:ext uri="{C183D7F6-B498-43B3-948B-1728B52AA6E4}">
-                <adec:decorative xmlns:adec="http://schemas.microsoft.com/office/drawing/2017/decorative" xmlns="" val="1"/>
+                <adec:decorative xmlns="" xmlns:adec="http://schemas.microsoft.com/office/drawing/2017/decorative" val="1"/>
               </a:ext>
             </a:extLst>
           </p:cNvPr>
@@ -9015,7 +7640,7 @@
           <p:nvPr>
             <p:extLst>
               <p:ext uri="{386F3935-93C4-4BCD-93E2-E3B085C9AB24}">
-                <p16:designElem xmlns:p16="http://schemas.microsoft.com/office/powerpoint/2015/main" xmlns="" val="1"/>
+                <p16:designElem xmlns="" xmlns:p16="http://schemas.microsoft.com/office/powerpoint/2015/main" val="1"/>
               </p:ext>
             </p:extLst>
           </p:nvPr>
@@ -9094,10 +7719,10 @@
           <p:cNvPr id="12" name="sketchy line">
             <a:extLst>
               <a:ext uri="{FF2B5EF4-FFF2-40B4-BE49-F238E27FC236}">
-                <a16:creationId xmlns:a16="http://schemas.microsoft.com/office/drawing/2014/main" xmlns="" id="{B2DD41CD-8F47-4F56-AD12-4E2FF7696987}"/>
+                <a16:creationId xmlns="" xmlns:a16="http://schemas.microsoft.com/office/drawing/2014/main" id="{B2DD41CD-8F47-4F56-AD12-4E2FF7696987}"/>
               </a:ext>
               <a:ext uri="{C183D7F6-B498-43B3-948B-1728B52AA6E4}">
-                <adec:decorative xmlns:adec="http://schemas.microsoft.com/office/drawing/2017/decorative" xmlns="" val="1"/>
+                <adec:decorative xmlns="" xmlns:adec="http://schemas.microsoft.com/office/drawing/2017/decorative" val="1"/>
               </a:ext>
             </a:extLst>
           </p:cNvPr>
@@ -9107,7 +7732,7 @@
           <p:nvPr>
             <p:extLst>
               <p:ext uri="{386F3935-93C4-4BCD-93E2-E3B085C9AB24}">
-                <p16:designElem xmlns:p16="http://schemas.microsoft.com/office/powerpoint/2015/main" xmlns="" val="1"/>
+                <p16:designElem xmlns="" xmlns:p16="http://schemas.microsoft.com/office/powerpoint/2015/main" val="1"/>
               </p:ext>
             </p:extLst>
           </p:nvPr>
@@ -9714,7 +8339,7 @@
             <a:round/>
             <a:extLst>
               <a:ext uri="{C807C97D-BFC1-408E-A445-0C87EB9F89A2}">
-                <ask:lineSketchStyleProps xmlns:ask="http://schemas.microsoft.com/office/drawing/2018/sketchyshapes" xmlns="" sd="2727557108">
+                <ask:lineSketchStyleProps xmlns="" xmlns:ask="http://schemas.microsoft.com/office/drawing/2018/sketchyshapes" sd="2727557108">
                   <a:prstGeom prst="rect">
                     <a:avLst/>
                   </a:prstGeom>
@@ -9756,7 +8381,7 @@
           <p:cNvPr id="5" name="Content Placeholder 2">
             <a:extLst>
               <a:ext uri="{FF2B5EF4-FFF2-40B4-BE49-F238E27FC236}">
-                <a16:creationId xmlns:a16="http://schemas.microsoft.com/office/drawing/2014/main" xmlns="" id="{AF56620B-14C8-225B-F3E9-D1D2C6376E30}"/>
+                <a16:creationId xmlns="" xmlns:a16="http://schemas.microsoft.com/office/drawing/2014/main" id="{AF56620B-14C8-225B-F3E9-D1D2C6376E30}"/>
               </a:ext>
             </a:extLst>
           </p:cNvPr>
@@ -9767,7 +8392,7 @@
             <p:ph idx="1"/>
             <p:extLst>
               <p:ext uri="{D42A27DB-BD31-4B8C-83A1-F6EECF244321}">
-                <p14:modId xmlns:p14="http://schemas.microsoft.com/office/powerpoint/2010/main" xmlns="" val="1298747126"/>
+                <p14:modId xmlns="" xmlns:p14="http://schemas.microsoft.com/office/powerpoint/2010/main" val="1298747126"/>
               </p:ext>
             </p:extLst>
           </p:nvPr>
@@ -9783,6 +8408,1500 @@
         </a:graphic>
       </p:graphicFrame>
     </p:spTree>
+  </p:cSld>
+  <p:clrMapOvr>
+    <a:masterClrMapping/>
+  </p:clrMapOvr>
+</p:sld>
+</file>
+
+<file path=ppt/slides/slide20.xml><?xml version="1.0" encoding="utf-8"?>
+<p:sld xmlns:a="http://schemas.openxmlformats.org/drawingml/2006/main" xmlns:r="http://schemas.openxmlformats.org/officeDocument/2006/relationships" xmlns:p="http://schemas.openxmlformats.org/presentationml/2006/main">
+  <p:cSld>
+    <p:bg>
+      <p:bgPr>
+        <a:solidFill>
+          <a:schemeClr val="bg1"/>
+        </a:solidFill>
+        <a:effectLst/>
+      </p:bgPr>
+    </p:bg>
+    <p:spTree>
+      <p:nvGrpSpPr>
+        <p:cNvPr id="1" name=""/>
+        <p:cNvGrpSpPr/>
+        <p:nvPr/>
+      </p:nvGrpSpPr>
+      <p:grpSpPr>
+        <a:xfrm>
+          <a:off x="0" y="0"/>
+          <a:ext cx="0" cy="0"/>
+          <a:chOff x="0" y="0"/>
+          <a:chExt cx="0" cy="0"/>
+        </a:xfrm>
+      </p:grpSpPr>
+      <p:sp useBgFill="1">
+        <p:nvSpPr>
+          <p:cNvPr id="9" name="Rectangle 8">
+            <a:extLst>
+              <a:ext uri="{FF2B5EF4-FFF2-40B4-BE49-F238E27FC236}">
+                <a16:creationId xmlns="" xmlns:a16="http://schemas.microsoft.com/office/drawing/2014/main" id="{E7F94237-0536-4DB1-8C95-39E355CED94B}"/>
+              </a:ext>
+              <a:ext uri="{C183D7F6-B498-43B3-948B-1728B52AA6E4}">
+                <adec:decorative xmlns="" xmlns:adec="http://schemas.microsoft.com/office/drawing/2017/decorative" val="1"/>
+              </a:ext>
+            </a:extLst>
+          </p:cNvPr>
+          <p:cNvSpPr>
+            <a:spLocks noGrp="1" noRot="1" noChangeAspect="1" noMove="1" noResize="1" noEditPoints="1" noAdjustHandles="1" noChangeArrowheads="1" noChangeShapeType="1" noTextEdit="1"/>
+          </p:cNvSpPr>
+          <p:nvPr>
+            <p:extLst>
+              <p:ext uri="{386F3935-93C4-4BCD-93E2-E3B085C9AB24}">
+                <p16:designElem xmlns="" xmlns:p16="http://schemas.microsoft.com/office/powerpoint/2015/main" val="1"/>
+              </p:ext>
+            </p:extLst>
+          </p:nvPr>
+        </p:nvSpPr>
+        <p:spPr>
+          <a:xfrm>
+            <a:off x="0" y="0"/>
+            <a:ext cx="12192000" cy="6858000"/>
+          </a:xfrm>
+          <a:prstGeom prst="rect">
+            <a:avLst/>
+          </a:prstGeom>
+          <a:ln w="12700" cap="flat" cmpd="sng" algn="ctr">
+            <a:noFill/>
+            <a:prstDash val="solid"/>
+            <a:miter lim="800000"/>
+          </a:ln>
+          <a:effectLst/>
+          <a:extLst>
+            <a:ext uri="{91240B29-F687-4F45-9708-019B960494DF}">
+              <a14:hiddenLine xmlns="" xmlns:a14="http://schemas.microsoft.com/office/drawing/2010/main" w="12700" cap="flat" cmpd="sng" algn="ctr">
+                <a:solidFill>
+                  <a:schemeClr val="accent1">
+                    <a:shade val="50000"/>
+                  </a:schemeClr>
+                </a:solidFill>
+                <a:prstDash val="solid"/>
+                <a:miter lim="800000"/>
+              </a14:hiddenLine>
+            </a:ext>
+          </a:extLst>
+        </p:spPr>
+        <p:style>
+          <a:lnRef idx="2">
+            <a:schemeClr val="accent1">
+              <a:shade val="50000"/>
+            </a:schemeClr>
+          </a:lnRef>
+          <a:fillRef idx="1">
+            <a:schemeClr val="accent1"/>
+          </a:fillRef>
+          <a:effectRef idx="0">
+            <a:schemeClr val="accent1"/>
+          </a:effectRef>
+          <a:fontRef idx="minor">
+            <a:schemeClr val="lt1"/>
+          </a:fontRef>
+        </p:style>
+        <p:txBody>
+          <a:bodyPr rtlCol="0" anchor="ctr"/>
+          <a:lstStyle/>
+          <a:p>
+            <a:pPr algn="ctr"/>
+            <a:endParaRPr lang="en-US"/>
+          </a:p>
+        </p:txBody>
+      </p:sp>
+      <p:sp>
+        <p:nvSpPr>
+          <p:cNvPr id="11" name="!!Rectangle">
+            <a:extLst>
+              <a:ext uri="{FF2B5EF4-FFF2-40B4-BE49-F238E27FC236}">
+                <a16:creationId xmlns="" xmlns:a16="http://schemas.microsoft.com/office/drawing/2014/main" id="{1A3C89F8-0D2F-47FF-B903-151248265F47}"/>
+              </a:ext>
+              <a:ext uri="{C183D7F6-B498-43B3-948B-1728B52AA6E4}">
+                <adec:decorative xmlns="" xmlns:adec="http://schemas.microsoft.com/office/drawing/2017/decorative" val="1"/>
+              </a:ext>
+            </a:extLst>
+          </p:cNvPr>
+          <p:cNvSpPr>
+            <a:spLocks noGrp="1" noRot="1" noChangeAspect="1" noMove="1" noResize="1" noEditPoints="1" noAdjustHandles="1" noChangeArrowheads="1" noChangeShapeType="1" noTextEdit="1"/>
+          </p:cNvSpPr>
+          <p:nvPr>
+            <p:extLst>
+              <p:ext uri="{386F3935-93C4-4BCD-93E2-E3B085C9AB24}">
+                <p16:designElem xmlns="" xmlns:p16="http://schemas.microsoft.com/office/powerpoint/2015/main" val="1"/>
+              </p:ext>
+            </p:extLst>
+          </p:nvPr>
+        </p:nvSpPr>
+        <p:spPr>
+          <a:xfrm>
+            <a:off x="0" y="0"/>
+            <a:ext cx="12192000" cy="6858000"/>
+          </a:xfrm>
+          <a:prstGeom prst="rect">
+            <a:avLst/>
+          </a:prstGeom>
+          <a:gradFill flip="none" rotWithShape="1">
+            <a:gsLst>
+              <a:gs pos="0">
+                <a:schemeClr val="accent1"/>
+              </a:gs>
+              <a:gs pos="100000">
+                <a:schemeClr val="accent2"/>
+              </a:gs>
+            </a:gsLst>
+            <a:lin ang="8100000" scaled="0"/>
+            <a:tileRect/>
+          </a:gradFill>
+          <a:ln>
+            <a:noFill/>
+          </a:ln>
+        </p:spPr>
+        <p:style>
+          <a:lnRef idx="2">
+            <a:schemeClr val="accent1">
+              <a:shade val="50000"/>
+            </a:schemeClr>
+          </a:lnRef>
+          <a:fillRef idx="1">
+            <a:schemeClr val="accent1"/>
+          </a:fillRef>
+          <a:effectRef idx="0">
+            <a:schemeClr val="accent1"/>
+          </a:effectRef>
+          <a:fontRef idx="minor">
+            <a:schemeClr val="lt1"/>
+          </a:fontRef>
+        </p:style>
+        <p:txBody>
+          <a:bodyPr rtlCol="0" anchor="ctr"/>
+          <a:lstStyle/>
+          <a:p>
+            <a:pPr marL="0" marR="0" lvl="0" indent="0" algn="ctr" defTabSz="914400" rtl="0" eaLnBrk="1" fontAlgn="auto" latinLnBrk="0" hangingPunct="1">
+              <a:lnSpc>
+                <a:spcPct val="100000"/>
+              </a:lnSpc>
+              <a:spcBef>
+                <a:spcPts val="0"/>
+              </a:spcBef>
+              <a:spcAft>
+                <a:spcPts val="0"/>
+              </a:spcAft>
+              <a:buClrTx/>
+              <a:buSzTx/>
+              <a:buFontTx/>
+              <a:buNone/>
+              <a:tabLst/>
+              <a:defRPr/>
+            </a:pPr>
+            <a:endParaRPr kumimoji="0" lang="en-US" sz="1800" b="0" i="0" u="none" strike="noStrike" kern="1200" cap="none" spc="0" normalizeH="0" baseline="0" noProof="0">
+              <a:ln>
+                <a:noFill/>
+              </a:ln>
+              <a:solidFill>
+                <a:srgbClr val="FFFFFF"/>
+              </a:solidFill>
+              <a:effectLst/>
+              <a:uLnTx/>
+              <a:uFillTx/>
+              <a:latin typeface="Calibri" panose="020F0502020204030204"/>
+              <a:ea typeface="+mn-ea"/>
+              <a:cs typeface="+mn-cs"/>
+            </a:endParaRPr>
+          </a:p>
+        </p:txBody>
+      </p:sp>
+      <p:pic>
+        <p:nvPicPr>
+          <p:cNvPr id="5" name="Picture 4" descr="Magnifying glass on clear background">
+            <a:extLst>
+              <a:ext uri="{FF2B5EF4-FFF2-40B4-BE49-F238E27FC236}">
+                <a16:creationId xmlns="" xmlns:a16="http://schemas.microsoft.com/office/drawing/2014/main" id="{E187DFB4-E05E-0951-CDC7-CFE40D2D6195}"/>
+              </a:ext>
+            </a:extLst>
+          </p:cNvPr>
+          <p:cNvPicPr>
+            <a:picLocks noChangeAspect="1"/>
+          </p:cNvPicPr>
+          <p:nvPr/>
+        </p:nvPicPr>
+        <p:blipFill rotWithShape="1">
+          <a:blip r:embed="rId2">
+            <a:duotone>
+              <a:schemeClr val="accent1">
+                <a:shade val="45000"/>
+                <a:satMod val="135000"/>
+              </a:schemeClr>
+              <a:prstClr val="white"/>
+            </a:duotone>
+            <a:alphaModFix amt="35000"/>
+          </a:blip>
+          <a:srcRect b="15730"/>
+          <a:stretch/>
+        </p:blipFill>
+        <p:spPr>
+          <a:xfrm>
+            <a:off x="20" y="10"/>
+            <a:ext cx="12191981" cy="6857989"/>
+          </a:xfrm>
+          <a:prstGeom prst="rect">
+            <a:avLst/>
+          </a:prstGeom>
+        </p:spPr>
+      </p:pic>
+      <p:sp>
+        <p:nvSpPr>
+          <p:cNvPr id="2" name="Title 1">
+            <a:extLst>
+              <a:ext uri="{FF2B5EF4-FFF2-40B4-BE49-F238E27FC236}">
+                <a16:creationId xmlns="" xmlns:a16="http://schemas.microsoft.com/office/drawing/2014/main" id="{AA104E94-08CF-9249-3361-CF281908020B}"/>
+              </a:ext>
+            </a:extLst>
+          </p:cNvPr>
+          <p:cNvSpPr>
+            <a:spLocks noGrp="1"/>
+          </p:cNvSpPr>
+          <p:nvPr>
+            <p:ph type="title"/>
+          </p:nvPr>
+        </p:nvSpPr>
+        <p:spPr>
+          <a:xfrm>
+            <a:off x="3880430" y="583345"/>
+            <a:ext cx="7160357" cy="4164820"/>
+          </a:xfrm>
+        </p:spPr>
+        <p:txBody>
+          <a:bodyPr vert="horz" lIns="91440" tIns="45720" rIns="91440" bIns="45720" rtlCol="0" anchor="t">
+            <a:normAutofit/>
+          </a:bodyPr>
+          <a:lstStyle/>
+          <a:p>
+            <a:pPr algn="r"/>
+            <a:r>
+              <a:rPr lang="en-US" sz="8000" dirty="0">
+                <a:solidFill>
+                  <a:srgbClr val="FFFFFF"/>
+                </a:solidFill>
+                <a:latin typeface="Times New Roman" panose="02020603050405020304" pitchFamily="18" charset="0"/>
+                <a:cs typeface="Times New Roman" panose="02020603050405020304" pitchFamily="18" charset="0"/>
+              </a:rPr>
+              <a:t>Thank you</a:t>
+            </a:r>
+            <a:r>
+              <a:rPr lang="en-US" sz="8000" dirty="0">
+                <a:solidFill>
+                  <a:srgbClr val="FFFFFF"/>
+                </a:solidFill>
+              </a:rPr>
+              <a:t/>
+            </a:r>
+            <a:br>
+              <a:rPr lang="en-US" sz="8000" dirty="0">
+                <a:solidFill>
+                  <a:srgbClr val="FFFFFF"/>
+                </a:solidFill>
+              </a:rPr>
+            </a:br>
+            <a:endParaRPr lang="en-US" sz="8000" dirty="0">
+              <a:solidFill>
+                <a:srgbClr val="FFFFFF"/>
+              </a:solidFill>
+            </a:endParaRPr>
+          </a:p>
+        </p:txBody>
+      </p:sp>
+      <p:sp>
+        <p:nvSpPr>
+          <p:cNvPr id="13" name="Graphic 13">
+            <a:extLst>
+              <a:ext uri="{FF2B5EF4-FFF2-40B4-BE49-F238E27FC236}">
+                <a16:creationId xmlns="" xmlns:a16="http://schemas.microsoft.com/office/drawing/2014/main" id="{C5CB530E-515E-412C-9DF1-5F8FFBD6F383}"/>
+              </a:ext>
+              <a:ext uri="{C183D7F6-B498-43B3-948B-1728B52AA6E4}">
+                <adec:decorative xmlns="" xmlns:adec="http://schemas.microsoft.com/office/drawing/2017/decorative" val="1"/>
+              </a:ext>
+            </a:extLst>
+          </p:cNvPr>
+          <p:cNvSpPr>
+            <a:spLocks noGrp="1" noRot="1" noChangeAspect="1" noMove="1" noResize="1" noEditPoints="1" noAdjustHandles="1" noChangeArrowheads="1" noChangeShapeType="1" noTextEdit="1"/>
+          </p:cNvSpPr>
+          <p:nvPr>
+            <p:extLst>
+              <p:ext uri="{386F3935-93C4-4BCD-93E2-E3B085C9AB24}">
+                <p16:designElem xmlns="" xmlns:p16="http://schemas.microsoft.com/office/powerpoint/2015/main" val="1"/>
+              </p:ext>
+            </p:extLst>
+          </p:nvPr>
+        </p:nvSpPr>
+        <p:spPr>
+          <a:xfrm>
+            <a:off x="3474359" y="583345"/>
+            <a:ext cx="139039" cy="139039"/>
+          </a:xfrm>
+          <a:custGeom>
+            <a:avLst/>
+            <a:gdLst>
+              <a:gd name="connsiteX0" fmla="*/ 129602 w 139039"/>
+              <a:gd name="connsiteY0" fmla="*/ 60082 h 139039"/>
+              <a:gd name="connsiteX1" fmla="*/ 78957 w 139039"/>
+              <a:gd name="connsiteY1" fmla="*/ 60082 h 139039"/>
+              <a:gd name="connsiteX2" fmla="*/ 78957 w 139039"/>
+              <a:gd name="connsiteY2" fmla="*/ 9437 h 139039"/>
+              <a:gd name="connsiteX3" fmla="*/ 69520 w 139039"/>
+              <a:gd name="connsiteY3" fmla="*/ 0 h 139039"/>
+              <a:gd name="connsiteX4" fmla="*/ 60082 w 139039"/>
+              <a:gd name="connsiteY4" fmla="*/ 9437 h 139039"/>
+              <a:gd name="connsiteX5" fmla="*/ 60082 w 139039"/>
+              <a:gd name="connsiteY5" fmla="*/ 60082 h 139039"/>
+              <a:gd name="connsiteX6" fmla="*/ 9437 w 139039"/>
+              <a:gd name="connsiteY6" fmla="*/ 60082 h 139039"/>
+              <a:gd name="connsiteX7" fmla="*/ 0 w 139039"/>
+              <a:gd name="connsiteY7" fmla="*/ 69520 h 139039"/>
+              <a:gd name="connsiteX8" fmla="*/ 9437 w 139039"/>
+              <a:gd name="connsiteY8" fmla="*/ 78957 h 139039"/>
+              <a:gd name="connsiteX9" fmla="*/ 60082 w 139039"/>
+              <a:gd name="connsiteY9" fmla="*/ 78957 h 139039"/>
+              <a:gd name="connsiteX10" fmla="*/ 60082 w 139039"/>
+              <a:gd name="connsiteY10" fmla="*/ 129602 h 139039"/>
+              <a:gd name="connsiteX11" fmla="*/ 69520 w 139039"/>
+              <a:gd name="connsiteY11" fmla="*/ 139039 h 139039"/>
+              <a:gd name="connsiteX12" fmla="*/ 78957 w 139039"/>
+              <a:gd name="connsiteY12" fmla="*/ 129602 h 139039"/>
+              <a:gd name="connsiteX13" fmla="*/ 78957 w 139039"/>
+              <a:gd name="connsiteY13" fmla="*/ 78957 h 139039"/>
+              <a:gd name="connsiteX14" fmla="*/ 129602 w 139039"/>
+              <a:gd name="connsiteY14" fmla="*/ 78957 h 139039"/>
+              <a:gd name="connsiteX15" fmla="*/ 139039 w 139039"/>
+              <a:gd name="connsiteY15" fmla="*/ 69520 h 139039"/>
+              <a:gd name="connsiteX16" fmla="*/ 129602 w 139039"/>
+              <a:gd name="connsiteY16" fmla="*/ 60082 h 139039"/>
+            </a:gdLst>
+            <a:ahLst/>
+            <a:cxnLst>
+              <a:cxn ang="0">
+                <a:pos x="connsiteX0" y="connsiteY0"/>
+              </a:cxn>
+              <a:cxn ang="0">
+                <a:pos x="connsiteX1" y="connsiteY1"/>
+              </a:cxn>
+              <a:cxn ang="0">
+                <a:pos x="connsiteX2" y="connsiteY2"/>
+              </a:cxn>
+              <a:cxn ang="0">
+                <a:pos x="connsiteX3" y="connsiteY3"/>
+              </a:cxn>
+              <a:cxn ang="0">
+                <a:pos x="connsiteX4" y="connsiteY4"/>
+              </a:cxn>
+              <a:cxn ang="0">
+                <a:pos x="connsiteX5" y="connsiteY5"/>
+              </a:cxn>
+              <a:cxn ang="0">
+                <a:pos x="connsiteX6" y="connsiteY6"/>
+              </a:cxn>
+              <a:cxn ang="0">
+                <a:pos x="connsiteX7" y="connsiteY7"/>
+              </a:cxn>
+              <a:cxn ang="0">
+                <a:pos x="connsiteX8" y="connsiteY8"/>
+              </a:cxn>
+              <a:cxn ang="0">
+                <a:pos x="connsiteX9" y="connsiteY9"/>
+              </a:cxn>
+              <a:cxn ang="0">
+                <a:pos x="connsiteX10" y="connsiteY10"/>
+              </a:cxn>
+              <a:cxn ang="0">
+                <a:pos x="connsiteX11" y="connsiteY11"/>
+              </a:cxn>
+              <a:cxn ang="0">
+                <a:pos x="connsiteX12" y="connsiteY12"/>
+              </a:cxn>
+              <a:cxn ang="0">
+                <a:pos x="connsiteX13" y="connsiteY13"/>
+              </a:cxn>
+              <a:cxn ang="0">
+                <a:pos x="connsiteX14" y="connsiteY14"/>
+              </a:cxn>
+              <a:cxn ang="0">
+                <a:pos x="connsiteX15" y="connsiteY15"/>
+              </a:cxn>
+              <a:cxn ang="0">
+                <a:pos x="connsiteX16" y="connsiteY16"/>
+              </a:cxn>
+            </a:cxnLst>
+            <a:rect l="l" t="t" r="r" b="b"/>
+            <a:pathLst>
+              <a:path w="139039" h="139039">
+                <a:moveTo>
+                  <a:pt x="129602" y="60082"/>
+                </a:moveTo>
+                <a:lnTo>
+                  <a:pt x="78957" y="60082"/>
+                </a:lnTo>
+                <a:lnTo>
+                  <a:pt x="78957" y="9437"/>
+                </a:lnTo>
+                <a:cubicBezTo>
+                  <a:pt x="78957" y="4225"/>
+                  <a:pt x="74731" y="0"/>
+                  <a:pt x="69520" y="0"/>
+                </a:cubicBezTo>
+                <a:cubicBezTo>
+                  <a:pt x="64308" y="0"/>
+                  <a:pt x="60082" y="4225"/>
+                  <a:pt x="60082" y="9437"/>
+                </a:cubicBezTo>
+                <a:lnTo>
+                  <a:pt x="60082" y="60082"/>
+                </a:lnTo>
+                <a:lnTo>
+                  <a:pt x="9437" y="60082"/>
+                </a:lnTo>
+                <a:cubicBezTo>
+                  <a:pt x="4225" y="60082"/>
+                  <a:pt x="0" y="64308"/>
+                  <a:pt x="0" y="69520"/>
+                </a:cubicBezTo>
+                <a:cubicBezTo>
+                  <a:pt x="0" y="74731"/>
+                  <a:pt x="4225" y="78957"/>
+                  <a:pt x="9437" y="78957"/>
+                </a:cubicBezTo>
+                <a:lnTo>
+                  <a:pt x="60082" y="78957"/>
+                </a:lnTo>
+                <a:lnTo>
+                  <a:pt x="60082" y="129602"/>
+                </a:lnTo>
+                <a:cubicBezTo>
+                  <a:pt x="60082" y="134814"/>
+                  <a:pt x="64308" y="139039"/>
+                  <a:pt x="69520" y="139039"/>
+                </a:cubicBezTo>
+                <a:cubicBezTo>
+                  <a:pt x="74731" y="139039"/>
+                  <a:pt x="78957" y="134814"/>
+                  <a:pt x="78957" y="129602"/>
+                </a:cubicBezTo>
+                <a:lnTo>
+                  <a:pt x="78957" y="78957"/>
+                </a:lnTo>
+                <a:lnTo>
+                  <a:pt x="129602" y="78957"/>
+                </a:lnTo>
+                <a:cubicBezTo>
+                  <a:pt x="134814" y="78957"/>
+                  <a:pt x="139039" y="74731"/>
+                  <a:pt x="139039" y="69520"/>
+                </a:cubicBezTo>
+                <a:cubicBezTo>
+                  <a:pt x="139039" y="64308"/>
+                  <a:pt x="134814" y="60082"/>
+                  <a:pt x="129602" y="60082"/>
+                </a:cubicBezTo>
+                <a:close/>
+              </a:path>
+            </a:pathLst>
+          </a:custGeom>
+          <a:solidFill>
+            <a:srgbClr val="FFFFFF"/>
+          </a:solidFill>
+          <a:ln w="603" cap="flat">
+            <a:noFill/>
+            <a:prstDash val="solid"/>
+            <a:miter/>
+          </a:ln>
+        </p:spPr>
+        <p:txBody>
+          <a:bodyPr rtlCol="0" anchor="ctr"/>
+          <a:lstStyle/>
+          <a:p>
+            <a:pPr marL="0" marR="0" lvl="0" indent="0" algn="l" defTabSz="914400" rtl="0" eaLnBrk="1" fontAlgn="auto" latinLnBrk="0" hangingPunct="1">
+              <a:lnSpc>
+                <a:spcPct val="100000"/>
+              </a:lnSpc>
+              <a:spcBef>
+                <a:spcPts val="0"/>
+              </a:spcBef>
+              <a:spcAft>
+                <a:spcPts val="0"/>
+              </a:spcAft>
+              <a:buClrTx/>
+              <a:buSzTx/>
+              <a:buFontTx/>
+              <a:buNone/>
+              <a:tabLst/>
+              <a:defRPr/>
+            </a:pPr>
+            <a:endParaRPr kumimoji="0" lang="en-US" sz="1800" b="0" i="0" u="none" strike="noStrike" kern="1200" cap="none" spc="0" normalizeH="0" baseline="0" noProof="0">
+              <a:ln>
+                <a:noFill/>
+              </a:ln>
+              <a:solidFill>
+                <a:srgbClr val="FFFFFF"/>
+              </a:solidFill>
+              <a:effectLst/>
+              <a:uLnTx/>
+              <a:uFillTx/>
+              <a:latin typeface="Calibri" panose="020F0502020204030204"/>
+              <a:ea typeface="+mn-ea"/>
+              <a:cs typeface="+mn-cs"/>
+            </a:endParaRPr>
+          </a:p>
+        </p:txBody>
+      </p:sp>
+      <p:sp>
+        <p:nvSpPr>
+          <p:cNvPr id="15" name="Graphic 12">
+            <a:extLst>
+              <a:ext uri="{FF2B5EF4-FFF2-40B4-BE49-F238E27FC236}">
+                <a16:creationId xmlns="" xmlns:a16="http://schemas.microsoft.com/office/drawing/2014/main" id="{712D4376-A578-4FF1-94FC-245E7A6A489F}"/>
+              </a:ext>
+              <a:ext uri="{C183D7F6-B498-43B3-948B-1728B52AA6E4}">
+                <adec:decorative xmlns="" xmlns:adec="http://schemas.microsoft.com/office/drawing/2017/decorative" val="1"/>
+              </a:ext>
+            </a:extLst>
+          </p:cNvPr>
+          <p:cNvSpPr>
+            <a:spLocks noGrp="1" noRot="1" noChangeAspect="1" noMove="1" noResize="1" noEditPoints="1" noAdjustHandles="1" noChangeArrowheads="1" noChangeShapeType="1" noTextEdit="1"/>
+          </p:cNvSpPr>
+          <p:nvPr>
+            <p:extLst>
+              <p:ext uri="{386F3935-93C4-4BCD-93E2-E3B085C9AB24}">
+                <p16:designElem xmlns="" xmlns:p16="http://schemas.microsoft.com/office/powerpoint/2015/main" val="1"/>
+              </p:ext>
+            </p:extLst>
+          </p:nvPr>
+        </p:nvSpPr>
+        <p:spPr>
+          <a:xfrm>
+            <a:off x="3833139" y="812640"/>
+            <a:ext cx="91138" cy="91138"/>
+          </a:xfrm>
+          <a:custGeom>
+            <a:avLst/>
+            <a:gdLst>
+              <a:gd name="connsiteX0" fmla="*/ 91138 w 91138"/>
+              <a:gd name="connsiteY0" fmla="*/ 45569 h 91138"/>
+              <a:gd name="connsiteX1" fmla="*/ 45569 w 91138"/>
+              <a:gd name="connsiteY1" fmla="*/ 91138 h 91138"/>
+              <a:gd name="connsiteX2" fmla="*/ 0 w 91138"/>
+              <a:gd name="connsiteY2" fmla="*/ 45569 h 91138"/>
+              <a:gd name="connsiteX3" fmla="*/ 45569 w 91138"/>
+              <a:gd name="connsiteY3" fmla="*/ 0 h 91138"/>
+              <a:gd name="connsiteX4" fmla="*/ 91138 w 91138"/>
+              <a:gd name="connsiteY4" fmla="*/ 45569 h 91138"/>
+            </a:gdLst>
+            <a:ahLst/>
+            <a:cxnLst>
+              <a:cxn ang="0">
+                <a:pos x="connsiteX0" y="connsiteY0"/>
+              </a:cxn>
+              <a:cxn ang="0">
+                <a:pos x="connsiteX1" y="connsiteY1"/>
+              </a:cxn>
+              <a:cxn ang="0">
+                <a:pos x="connsiteX2" y="connsiteY2"/>
+              </a:cxn>
+              <a:cxn ang="0">
+                <a:pos x="connsiteX3" y="connsiteY3"/>
+              </a:cxn>
+              <a:cxn ang="0">
+                <a:pos x="connsiteX4" y="connsiteY4"/>
+              </a:cxn>
+            </a:cxnLst>
+            <a:rect l="l" t="t" r="r" b="b"/>
+            <a:pathLst>
+              <a:path w="91138" h="91138">
+                <a:moveTo>
+                  <a:pt x="91138" y="45569"/>
+                </a:moveTo>
+                <a:cubicBezTo>
+                  <a:pt x="91138" y="70736"/>
+                  <a:pt x="70736" y="91138"/>
+                  <a:pt x="45569" y="91138"/>
+                </a:cubicBezTo>
+                <a:cubicBezTo>
+                  <a:pt x="20402" y="91138"/>
+                  <a:pt x="0" y="70736"/>
+                  <a:pt x="0" y="45569"/>
+                </a:cubicBezTo>
+                <a:cubicBezTo>
+                  <a:pt x="0" y="20402"/>
+                  <a:pt x="20402" y="0"/>
+                  <a:pt x="45569" y="0"/>
+                </a:cubicBezTo>
+                <a:cubicBezTo>
+                  <a:pt x="70736" y="0"/>
+                  <a:pt x="91138" y="20402"/>
+                  <a:pt x="91138" y="45569"/>
+                </a:cubicBezTo>
+                <a:close/>
+              </a:path>
+            </a:pathLst>
+          </a:custGeom>
+          <a:solidFill>
+            <a:srgbClr val="FFFFFF"/>
+          </a:solidFill>
+          <a:ln w="422" cap="flat">
+            <a:noFill/>
+            <a:prstDash val="solid"/>
+            <a:miter/>
+          </a:ln>
+        </p:spPr>
+        <p:txBody>
+          <a:bodyPr rtlCol="0" anchor="ctr"/>
+          <a:lstStyle/>
+          <a:p>
+            <a:pPr marL="0" marR="0" lvl="0" indent="0" algn="l" defTabSz="914400" rtl="0" eaLnBrk="1" fontAlgn="auto" latinLnBrk="0" hangingPunct="1">
+              <a:lnSpc>
+                <a:spcPct val="100000"/>
+              </a:lnSpc>
+              <a:spcBef>
+                <a:spcPts val="0"/>
+              </a:spcBef>
+              <a:spcAft>
+                <a:spcPts val="0"/>
+              </a:spcAft>
+              <a:buClrTx/>
+              <a:buSzTx/>
+              <a:buFontTx/>
+              <a:buNone/>
+              <a:tabLst/>
+              <a:defRPr/>
+            </a:pPr>
+            <a:endParaRPr kumimoji="0" lang="en-US" sz="1800" b="0" i="0" u="none" strike="noStrike" kern="1200" cap="none" spc="0" normalizeH="0" baseline="0" noProof="0">
+              <a:ln>
+                <a:noFill/>
+              </a:ln>
+              <a:solidFill>
+                <a:srgbClr val="FFFFFF"/>
+              </a:solidFill>
+              <a:effectLst/>
+              <a:uLnTx/>
+              <a:uFillTx/>
+              <a:latin typeface="Calibri" panose="020F0502020204030204"/>
+              <a:ea typeface="+mn-ea"/>
+              <a:cs typeface="+mn-cs"/>
+            </a:endParaRPr>
+          </a:p>
+        </p:txBody>
+      </p:sp>
+      <p:sp>
+        <p:nvSpPr>
+          <p:cNvPr id="17" name="Graphic 15">
+            <a:extLst>
+              <a:ext uri="{FF2B5EF4-FFF2-40B4-BE49-F238E27FC236}">
+                <a16:creationId xmlns="" xmlns:a16="http://schemas.microsoft.com/office/drawing/2014/main" id="{AEA7509D-F04F-40CB-A0B3-EEF16499CC9F}"/>
+              </a:ext>
+              <a:ext uri="{C183D7F6-B498-43B3-948B-1728B52AA6E4}">
+                <adec:decorative xmlns="" xmlns:adec="http://schemas.microsoft.com/office/drawing/2017/decorative" val="1"/>
+              </a:ext>
+            </a:extLst>
+          </p:cNvPr>
+          <p:cNvSpPr>
+            <a:spLocks noGrp="1" noRot="1" noChangeAspect="1" noMove="1" noResize="1" noEditPoints="1" noAdjustHandles="1" noChangeArrowheads="1" noChangeShapeType="1" noTextEdit="1"/>
+          </p:cNvSpPr>
+          <p:nvPr>
+            <p:extLst>
+              <p:ext uri="{386F3935-93C4-4BCD-93E2-E3B085C9AB24}">
+                <p16:designElem xmlns="" xmlns:p16="http://schemas.microsoft.com/office/powerpoint/2015/main" val="1"/>
+              </p:ext>
+            </p:extLst>
+          </p:nvPr>
+        </p:nvSpPr>
+        <p:spPr>
+          <a:xfrm>
+            <a:off x="3458819" y="1037066"/>
+            <a:ext cx="127714" cy="127714"/>
+          </a:xfrm>
+          <a:custGeom>
+            <a:avLst/>
+            <a:gdLst>
+              <a:gd name="connsiteX0" fmla="*/ 63857 w 127714"/>
+              <a:gd name="connsiteY0" fmla="*/ 18874 h 127714"/>
+              <a:gd name="connsiteX1" fmla="*/ 108840 w 127714"/>
+              <a:gd name="connsiteY1" fmla="*/ 63857 h 127714"/>
+              <a:gd name="connsiteX2" fmla="*/ 63857 w 127714"/>
+              <a:gd name="connsiteY2" fmla="*/ 108840 h 127714"/>
+              <a:gd name="connsiteX3" fmla="*/ 18874 w 127714"/>
+              <a:gd name="connsiteY3" fmla="*/ 63857 h 127714"/>
+              <a:gd name="connsiteX4" fmla="*/ 63857 w 127714"/>
+              <a:gd name="connsiteY4" fmla="*/ 18874 h 127714"/>
+              <a:gd name="connsiteX5" fmla="*/ 63857 w 127714"/>
+              <a:gd name="connsiteY5" fmla="*/ 0 h 127714"/>
+              <a:gd name="connsiteX6" fmla="*/ 0 w 127714"/>
+              <a:gd name="connsiteY6" fmla="*/ 63857 h 127714"/>
+              <a:gd name="connsiteX7" fmla="*/ 63857 w 127714"/>
+              <a:gd name="connsiteY7" fmla="*/ 127714 h 127714"/>
+              <a:gd name="connsiteX8" fmla="*/ 127714 w 127714"/>
+              <a:gd name="connsiteY8" fmla="*/ 63857 h 127714"/>
+              <a:gd name="connsiteX9" fmla="*/ 63857 w 127714"/>
+              <a:gd name="connsiteY9" fmla="*/ 0 h 127714"/>
+            </a:gdLst>
+            <a:ahLst/>
+            <a:cxnLst>
+              <a:cxn ang="0">
+                <a:pos x="connsiteX0" y="connsiteY0"/>
+              </a:cxn>
+              <a:cxn ang="0">
+                <a:pos x="connsiteX1" y="connsiteY1"/>
+              </a:cxn>
+              <a:cxn ang="0">
+                <a:pos x="connsiteX2" y="connsiteY2"/>
+              </a:cxn>
+              <a:cxn ang="0">
+                <a:pos x="connsiteX3" y="connsiteY3"/>
+              </a:cxn>
+              <a:cxn ang="0">
+                <a:pos x="connsiteX4" y="connsiteY4"/>
+              </a:cxn>
+              <a:cxn ang="0">
+                <a:pos x="connsiteX5" y="connsiteY5"/>
+              </a:cxn>
+              <a:cxn ang="0">
+                <a:pos x="connsiteX6" y="connsiteY6"/>
+              </a:cxn>
+              <a:cxn ang="0">
+                <a:pos x="connsiteX7" y="connsiteY7"/>
+              </a:cxn>
+              <a:cxn ang="0">
+                <a:pos x="connsiteX8" y="connsiteY8"/>
+              </a:cxn>
+              <a:cxn ang="0">
+                <a:pos x="connsiteX9" y="connsiteY9"/>
+              </a:cxn>
+            </a:cxnLst>
+            <a:rect l="l" t="t" r="r" b="b"/>
+            <a:pathLst>
+              <a:path w="127714" h="127714">
+                <a:moveTo>
+                  <a:pt x="63857" y="18874"/>
+                </a:moveTo>
+                <a:cubicBezTo>
+                  <a:pt x="88700" y="18874"/>
+                  <a:pt x="108840" y="39014"/>
+                  <a:pt x="108840" y="63857"/>
+                </a:cubicBezTo>
+                <a:cubicBezTo>
+                  <a:pt x="108840" y="88700"/>
+                  <a:pt x="88700" y="108840"/>
+                  <a:pt x="63857" y="108840"/>
+                </a:cubicBezTo>
+                <a:cubicBezTo>
+                  <a:pt x="39014" y="108840"/>
+                  <a:pt x="18874" y="88700"/>
+                  <a:pt x="18874" y="63857"/>
+                </a:cubicBezTo>
+                <a:cubicBezTo>
+                  <a:pt x="18898" y="39024"/>
+                  <a:pt x="39024" y="18898"/>
+                  <a:pt x="63857" y="18874"/>
+                </a:cubicBezTo>
+                <a:moveTo>
+                  <a:pt x="63857" y="0"/>
+                </a:moveTo>
+                <a:cubicBezTo>
+                  <a:pt x="28590" y="0"/>
+                  <a:pt x="0" y="28590"/>
+                  <a:pt x="0" y="63857"/>
+                </a:cubicBezTo>
+                <a:cubicBezTo>
+                  <a:pt x="0" y="99124"/>
+                  <a:pt x="28590" y="127714"/>
+                  <a:pt x="63857" y="127714"/>
+                </a:cubicBezTo>
+                <a:cubicBezTo>
+                  <a:pt x="99124" y="127714"/>
+                  <a:pt x="127714" y="99124"/>
+                  <a:pt x="127714" y="63857"/>
+                </a:cubicBezTo>
+                <a:cubicBezTo>
+                  <a:pt x="127714" y="28590"/>
+                  <a:pt x="99124" y="0"/>
+                  <a:pt x="63857" y="0"/>
+                </a:cubicBezTo>
+                <a:close/>
+              </a:path>
+            </a:pathLst>
+          </a:custGeom>
+          <a:solidFill>
+            <a:srgbClr val="FFFFFF"/>
+          </a:solidFill>
+          <a:ln w="610" cap="flat">
+            <a:noFill/>
+            <a:prstDash val="solid"/>
+            <a:miter/>
+          </a:ln>
+        </p:spPr>
+        <p:txBody>
+          <a:bodyPr rtlCol="0" anchor="ctr"/>
+          <a:lstStyle/>
+          <a:p>
+            <a:pPr marL="0" marR="0" lvl="0" indent="0" algn="l" defTabSz="914400" rtl="0" eaLnBrk="1" fontAlgn="auto" latinLnBrk="0" hangingPunct="1">
+              <a:lnSpc>
+                <a:spcPct val="100000"/>
+              </a:lnSpc>
+              <a:spcBef>
+                <a:spcPts val="0"/>
+              </a:spcBef>
+              <a:spcAft>
+                <a:spcPts val="0"/>
+              </a:spcAft>
+              <a:buClrTx/>
+              <a:buSzTx/>
+              <a:buFontTx/>
+              <a:buNone/>
+              <a:tabLst/>
+              <a:defRPr/>
+            </a:pPr>
+            <a:endParaRPr kumimoji="0" lang="en-US" sz="1800" b="0" i="0" u="none" strike="noStrike" kern="1200" cap="none" spc="0" normalizeH="0" baseline="0" noProof="0">
+              <a:ln>
+                <a:noFill/>
+              </a:ln>
+              <a:solidFill>
+                <a:srgbClr val="FFFFFF"/>
+              </a:solidFill>
+              <a:effectLst/>
+              <a:uLnTx/>
+              <a:uFillTx/>
+              <a:latin typeface="Calibri" panose="020F0502020204030204"/>
+              <a:ea typeface="+mn-ea"/>
+              <a:cs typeface="+mn-cs"/>
+            </a:endParaRPr>
+          </a:p>
+        </p:txBody>
+      </p:sp>
+      <p:cxnSp>
+        <p:nvCxnSpPr>
+          <p:cNvPr id="19" name="Straight Connector 18">
+            <a:extLst>
+              <a:ext uri="{FF2B5EF4-FFF2-40B4-BE49-F238E27FC236}">
+                <a16:creationId xmlns="" xmlns:a16="http://schemas.microsoft.com/office/drawing/2014/main" id="{56020367-4FD5-4596-8E10-C5F095CD8DBF}"/>
+              </a:ext>
+              <a:ext uri="{C183D7F6-B498-43B3-948B-1728B52AA6E4}">
+                <adec:decorative xmlns="" xmlns:adec="http://schemas.microsoft.com/office/drawing/2017/decorative" val="1"/>
+              </a:ext>
+            </a:extLst>
+          </p:cNvPr>
+          <p:cNvCxnSpPr>
+            <a:cxnSpLocks noGrp="1" noRot="1" noChangeAspect="1" noMove="1" noResize="1" noEditPoints="1" noAdjustHandles="1" noChangeArrowheads="1" noChangeShapeType="1"/>
+          </p:cNvCxnSpPr>
+          <p:nvPr>
+            <p:extLst>
+              <p:ext uri="{386F3935-93C4-4BCD-93E2-E3B085C9AB24}">
+                <p16:designElem xmlns="" xmlns:p16="http://schemas.microsoft.com/office/powerpoint/2015/main" val="1"/>
+              </p:ext>
+            </p:extLst>
+          </p:nvPr>
+        </p:nvCxnSpPr>
+        <p:spPr>
+          <a:xfrm>
+            <a:off x="856114" y="3503032"/>
+            <a:ext cx="0" cy="3346090"/>
+          </a:xfrm>
+          <a:prstGeom prst="line">
+            <a:avLst/>
+          </a:prstGeom>
+          <a:ln w="25400" cap="sq">
+            <a:solidFill>
+              <a:srgbClr val="FFFFFF"/>
+            </a:solidFill>
+            <a:bevel/>
+          </a:ln>
+        </p:spPr>
+        <p:style>
+          <a:lnRef idx="1">
+            <a:schemeClr val="accent1"/>
+          </a:lnRef>
+          <a:fillRef idx="0">
+            <a:schemeClr val="accent1"/>
+          </a:fillRef>
+          <a:effectRef idx="0">
+            <a:schemeClr val="accent1"/>
+          </a:effectRef>
+          <a:fontRef idx="minor">
+            <a:schemeClr val="tx1"/>
+          </a:fontRef>
+        </p:style>
+      </p:cxnSp>
+      <p:sp>
+        <p:nvSpPr>
+          <p:cNvPr id="21" name="Graphic 22">
+            <a:extLst>
+              <a:ext uri="{FF2B5EF4-FFF2-40B4-BE49-F238E27FC236}">
+                <a16:creationId xmlns="" xmlns:a16="http://schemas.microsoft.com/office/drawing/2014/main" id="{508BEF50-7B1E-49A4-BC19-5F4F1D755E64}"/>
+              </a:ext>
+              <a:ext uri="{C183D7F6-B498-43B3-948B-1728B52AA6E4}">
+                <adec:decorative xmlns="" xmlns:adec="http://schemas.microsoft.com/office/drawing/2017/decorative" val="1"/>
+              </a:ext>
+            </a:extLst>
+          </p:cNvPr>
+          <p:cNvSpPr>
+            <a:spLocks noGrp="1" noRot="1" noChangeAspect="1" noMove="1" noResize="1" noEditPoints="1" noAdjustHandles="1" noChangeArrowheads="1" noChangeShapeType="1" noTextEdit="1"/>
+          </p:cNvSpPr>
+          <p:nvPr>
+            <p:extLst>
+              <p:ext uri="{386F3935-93C4-4BCD-93E2-E3B085C9AB24}">
+                <p16:designElem xmlns="" xmlns:p16="http://schemas.microsoft.com/office/powerpoint/2015/main" val="1"/>
+              </p:ext>
+            </p:extLst>
+          </p:nvPr>
+        </p:nvSpPr>
+        <p:spPr>
+          <a:xfrm>
+            <a:off x="10836425" y="5636680"/>
+            <a:ext cx="151536" cy="151536"/>
+          </a:xfrm>
+          <a:custGeom>
+            <a:avLst/>
+            <a:gdLst>
+              <a:gd name="connsiteX0" fmla="*/ 141251 w 151536"/>
+              <a:gd name="connsiteY0" fmla="*/ 65483 h 151536"/>
+              <a:gd name="connsiteX1" fmla="*/ 86053 w 151536"/>
+              <a:gd name="connsiteY1" fmla="*/ 65483 h 151536"/>
+              <a:gd name="connsiteX2" fmla="*/ 86053 w 151536"/>
+              <a:gd name="connsiteY2" fmla="*/ 10285 h 151536"/>
+              <a:gd name="connsiteX3" fmla="*/ 75768 w 151536"/>
+              <a:gd name="connsiteY3" fmla="*/ 0 h 151536"/>
+              <a:gd name="connsiteX4" fmla="*/ 65483 w 151536"/>
+              <a:gd name="connsiteY4" fmla="*/ 10285 h 151536"/>
+              <a:gd name="connsiteX5" fmla="*/ 65483 w 151536"/>
+              <a:gd name="connsiteY5" fmla="*/ 65483 h 151536"/>
+              <a:gd name="connsiteX6" fmla="*/ 10285 w 151536"/>
+              <a:gd name="connsiteY6" fmla="*/ 65483 h 151536"/>
+              <a:gd name="connsiteX7" fmla="*/ 0 w 151536"/>
+              <a:gd name="connsiteY7" fmla="*/ 75768 h 151536"/>
+              <a:gd name="connsiteX8" fmla="*/ 10285 w 151536"/>
+              <a:gd name="connsiteY8" fmla="*/ 86053 h 151536"/>
+              <a:gd name="connsiteX9" fmla="*/ 65483 w 151536"/>
+              <a:gd name="connsiteY9" fmla="*/ 86053 h 151536"/>
+              <a:gd name="connsiteX10" fmla="*/ 65483 w 151536"/>
+              <a:gd name="connsiteY10" fmla="*/ 141251 h 151536"/>
+              <a:gd name="connsiteX11" fmla="*/ 75768 w 151536"/>
+              <a:gd name="connsiteY11" fmla="*/ 151536 h 151536"/>
+              <a:gd name="connsiteX12" fmla="*/ 86053 w 151536"/>
+              <a:gd name="connsiteY12" fmla="*/ 141251 h 151536"/>
+              <a:gd name="connsiteX13" fmla="*/ 86053 w 151536"/>
+              <a:gd name="connsiteY13" fmla="*/ 86053 h 151536"/>
+              <a:gd name="connsiteX14" fmla="*/ 141251 w 151536"/>
+              <a:gd name="connsiteY14" fmla="*/ 86053 h 151536"/>
+              <a:gd name="connsiteX15" fmla="*/ 151536 w 151536"/>
+              <a:gd name="connsiteY15" fmla="*/ 75768 h 151536"/>
+              <a:gd name="connsiteX16" fmla="*/ 141251 w 151536"/>
+              <a:gd name="connsiteY16" fmla="*/ 65483 h 151536"/>
+            </a:gdLst>
+            <a:ahLst/>
+            <a:cxnLst>
+              <a:cxn ang="0">
+                <a:pos x="connsiteX0" y="connsiteY0"/>
+              </a:cxn>
+              <a:cxn ang="0">
+                <a:pos x="connsiteX1" y="connsiteY1"/>
+              </a:cxn>
+              <a:cxn ang="0">
+                <a:pos x="connsiteX2" y="connsiteY2"/>
+              </a:cxn>
+              <a:cxn ang="0">
+                <a:pos x="connsiteX3" y="connsiteY3"/>
+              </a:cxn>
+              <a:cxn ang="0">
+                <a:pos x="connsiteX4" y="connsiteY4"/>
+              </a:cxn>
+              <a:cxn ang="0">
+                <a:pos x="connsiteX5" y="connsiteY5"/>
+              </a:cxn>
+              <a:cxn ang="0">
+                <a:pos x="connsiteX6" y="connsiteY6"/>
+              </a:cxn>
+              <a:cxn ang="0">
+                <a:pos x="connsiteX7" y="connsiteY7"/>
+              </a:cxn>
+              <a:cxn ang="0">
+                <a:pos x="connsiteX8" y="connsiteY8"/>
+              </a:cxn>
+              <a:cxn ang="0">
+                <a:pos x="connsiteX9" y="connsiteY9"/>
+              </a:cxn>
+              <a:cxn ang="0">
+                <a:pos x="connsiteX10" y="connsiteY10"/>
+              </a:cxn>
+              <a:cxn ang="0">
+                <a:pos x="connsiteX11" y="connsiteY11"/>
+              </a:cxn>
+              <a:cxn ang="0">
+                <a:pos x="connsiteX12" y="connsiteY12"/>
+              </a:cxn>
+              <a:cxn ang="0">
+                <a:pos x="connsiteX13" y="connsiteY13"/>
+              </a:cxn>
+              <a:cxn ang="0">
+                <a:pos x="connsiteX14" y="connsiteY14"/>
+              </a:cxn>
+              <a:cxn ang="0">
+                <a:pos x="connsiteX15" y="connsiteY15"/>
+              </a:cxn>
+              <a:cxn ang="0">
+                <a:pos x="connsiteX16" y="connsiteY16"/>
+              </a:cxn>
+            </a:cxnLst>
+            <a:rect l="l" t="t" r="r" b="b"/>
+            <a:pathLst>
+              <a:path w="151536" h="151536">
+                <a:moveTo>
+                  <a:pt x="141251" y="65483"/>
+                </a:moveTo>
+                <a:lnTo>
+                  <a:pt x="86053" y="65483"/>
+                </a:lnTo>
+                <a:lnTo>
+                  <a:pt x="86053" y="10285"/>
+                </a:lnTo>
+                <a:cubicBezTo>
+                  <a:pt x="86053" y="4605"/>
+                  <a:pt x="81448" y="0"/>
+                  <a:pt x="75768" y="0"/>
+                </a:cubicBezTo>
+                <a:cubicBezTo>
+                  <a:pt x="70088" y="0"/>
+                  <a:pt x="65483" y="4605"/>
+                  <a:pt x="65483" y="10285"/>
+                </a:cubicBezTo>
+                <a:lnTo>
+                  <a:pt x="65483" y="65483"/>
+                </a:lnTo>
+                <a:lnTo>
+                  <a:pt x="10285" y="65483"/>
+                </a:lnTo>
+                <a:cubicBezTo>
+                  <a:pt x="4605" y="65483"/>
+                  <a:pt x="0" y="70088"/>
+                  <a:pt x="0" y="75768"/>
+                </a:cubicBezTo>
+                <a:cubicBezTo>
+                  <a:pt x="0" y="81448"/>
+                  <a:pt x="4605" y="86053"/>
+                  <a:pt x="10285" y="86053"/>
+                </a:cubicBezTo>
+                <a:lnTo>
+                  <a:pt x="65483" y="86053"/>
+                </a:lnTo>
+                <a:lnTo>
+                  <a:pt x="65483" y="141251"/>
+                </a:lnTo>
+                <a:cubicBezTo>
+                  <a:pt x="65483" y="146931"/>
+                  <a:pt x="70088" y="151536"/>
+                  <a:pt x="75768" y="151536"/>
+                </a:cubicBezTo>
+                <a:cubicBezTo>
+                  <a:pt x="81448" y="151536"/>
+                  <a:pt x="86053" y="146931"/>
+                  <a:pt x="86053" y="141251"/>
+                </a:cubicBezTo>
+                <a:lnTo>
+                  <a:pt x="86053" y="86053"/>
+                </a:lnTo>
+                <a:lnTo>
+                  <a:pt x="141251" y="86053"/>
+                </a:lnTo>
+                <a:cubicBezTo>
+                  <a:pt x="146931" y="86053"/>
+                  <a:pt x="151536" y="81448"/>
+                  <a:pt x="151536" y="75768"/>
+                </a:cubicBezTo>
+                <a:cubicBezTo>
+                  <a:pt x="151536" y="70088"/>
+                  <a:pt x="146931" y="65483"/>
+                  <a:pt x="141251" y="65483"/>
+                </a:cubicBezTo>
+                <a:close/>
+              </a:path>
+            </a:pathLst>
+          </a:custGeom>
+          <a:solidFill>
+            <a:srgbClr val="FFFFFF"/>
+          </a:solidFill>
+          <a:ln w="646" cap="flat">
+            <a:noFill/>
+            <a:prstDash val="solid"/>
+            <a:miter/>
+          </a:ln>
+        </p:spPr>
+        <p:txBody>
+          <a:bodyPr rtlCol="0" anchor="ctr"/>
+          <a:lstStyle/>
+          <a:p>
+            <a:pPr marL="0" marR="0" lvl="0" indent="0" algn="l" defTabSz="914400" rtl="0" eaLnBrk="1" fontAlgn="auto" latinLnBrk="0" hangingPunct="1">
+              <a:lnSpc>
+                <a:spcPct val="100000"/>
+              </a:lnSpc>
+              <a:spcBef>
+                <a:spcPts val="0"/>
+              </a:spcBef>
+              <a:spcAft>
+                <a:spcPts val="0"/>
+              </a:spcAft>
+              <a:buClrTx/>
+              <a:buSzTx/>
+              <a:buFontTx/>
+              <a:buNone/>
+              <a:tabLst/>
+              <a:defRPr/>
+            </a:pPr>
+            <a:endParaRPr kumimoji="0" lang="en-US" sz="1800" b="0" i="0" u="none" strike="noStrike" kern="1200" cap="none" spc="0" normalizeH="0" baseline="0" noProof="0">
+              <a:ln>
+                <a:noFill/>
+              </a:ln>
+              <a:solidFill>
+                <a:srgbClr val="FFFFFF"/>
+              </a:solidFill>
+              <a:effectLst/>
+              <a:uLnTx/>
+              <a:uFillTx/>
+              <a:latin typeface="Calibri" panose="020F0502020204030204"/>
+              <a:ea typeface="+mn-ea"/>
+              <a:cs typeface="+mn-cs"/>
+            </a:endParaRPr>
+          </a:p>
+        </p:txBody>
+      </p:sp>
+      <p:sp>
+        <p:nvSpPr>
+          <p:cNvPr id="23" name="Graphic 23">
+            <a:extLst>
+              <a:ext uri="{FF2B5EF4-FFF2-40B4-BE49-F238E27FC236}">
+                <a16:creationId xmlns="" xmlns:a16="http://schemas.microsoft.com/office/drawing/2014/main" id="{3FBAD350-5664-4811-A208-657FB882D350}"/>
+              </a:ext>
+              <a:ext uri="{C183D7F6-B498-43B3-948B-1728B52AA6E4}">
+                <adec:decorative xmlns="" xmlns:adec="http://schemas.microsoft.com/office/drawing/2017/decorative" val="1"/>
+              </a:ext>
+            </a:extLst>
+          </p:cNvPr>
+          <p:cNvSpPr>
+            <a:spLocks noGrp="1" noRot="1" noChangeAspect="1" noMove="1" noResize="1" noEditPoints="1" noAdjustHandles="1" noChangeArrowheads="1" noChangeShapeType="1" noTextEdit="1"/>
+          </p:cNvSpPr>
+          <p:nvPr>
+            <p:extLst>
+              <p:ext uri="{386F3935-93C4-4BCD-93E2-E3B085C9AB24}">
+                <p16:designElem xmlns="" xmlns:p16="http://schemas.microsoft.com/office/powerpoint/2015/main" val="1"/>
+              </p:ext>
+            </p:extLst>
+          </p:nvPr>
+        </p:nvSpPr>
+        <p:spPr>
+          <a:xfrm>
+            <a:off x="11245175" y="6096759"/>
+            <a:ext cx="108625" cy="108625"/>
+          </a:xfrm>
+          <a:custGeom>
+            <a:avLst/>
+            <a:gdLst>
+              <a:gd name="connsiteX0" fmla="*/ 54313 w 108625"/>
+              <a:gd name="connsiteY0" fmla="*/ 16053 h 108625"/>
+              <a:gd name="connsiteX1" fmla="*/ 92572 w 108625"/>
+              <a:gd name="connsiteY1" fmla="*/ 54313 h 108625"/>
+              <a:gd name="connsiteX2" fmla="*/ 54313 w 108625"/>
+              <a:gd name="connsiteY2" fmla="*/ 92572 h 108625"/>
+              <a:gd name="connsiteX3" fmla="*/ 16053 w 108625"/>
+              <a:gd name="connsiteY3" fmla="*/ 54313 h 108625"/>
+              <a:gd name="connsiteX4" fmla="*/ 54313 w 108625"/>
+              <a:gd name="connsiteY4" fmla="*/ 16053 h 108625"/>
+              <a:gd name="connsiteX5" fmla="*/ 54313 w 108625"/>
+              <a:gd name="connsiteY5" fmla="*/ 0 h 108625"/>
+              <a:gd name="connsiteX6" fmla="*/ 0 w 108625"/>
+              <a:gd name="connsiteY6" fmla="*/ 54313 h 108625"/>
+              <a:gd name="connsiteX7" fmla="*/ 54313 w 108625"/>
+              <a:gd name="connsiteY7" fmla="*/ 108625 h 108625"/>
+              <a:gd name="connsiteX8" fmla="*/ 108625 w 108625"/>
+              <a:gd name="connsiteY8" fmla="*/ 54313 h 108625"/>
+              <a:gd name="connsiteX9" fmla="*/ 54313 w 108625"/>
+              <a:gd name="connsiteY9" fmla="*/ 0 h 108625"/>
+            </a:gdLst>
+            <a:ahLst/>
+            <a:cxnLst>
+              <a:cxn ang="0">
+                <a:pos x="connsiteX0" y="connsiteY0"/>
+              </a:cxn>
+              <a:cxn ang="0">
+                <a:pos x="connsiteX1" y="connsiteY1"/>
+              </a:cxn>
+              <a:cxn ang="0">
+                <a:pos x="connsiteX2" y="connsiteY2"/>
+              </a:cxn>
+              <a:cxn ang="0">
+                <a:pos x="connsiteX3" y="connsiteY3"/>
+              </a:cxn>
+              <a:cxn ang="0">
+                <a:pos x="connsiteX4" y="connsiteY4"/>
+              </a:cxn>
+              <a:cxn ang="0">
+                <a:pos x="connsiteX5" y="connsiteY5"/>
+              </a:cxn>
+              <a:cxn ang="0">
+                <a:pos x="connsiteX6" y="connsiteY6"/>
+              </a:cxn>
+              <a:cxn ang="0">
+                <a:pos x="connsiteX7" y="connsiteY7"/>
+              </a:cxn>
+              <a:cxn ang="0">
+                <a:pos x="connsiteX8" y="connsiteY8"/>
+              </a:cxn>
+              <a:cxn ang="0">
+                <a:pos x="connsiteX9" y="connsiteY9"/>
+              </a:cxn>
+            </a:cxnLst>
+            <a:rect l="l" t="t" r="r" b="b"/>
+            <a:pathLst>
+              <a:path w="108625" h="108625">
+                <a:moveTo>
+                  <a:pt x="54313" y="16053"/>
+                </a:moveTo>
+                <a:cubicBezTo>
+                  <a:pt x="75442" y="16053"/>
+                  <a:pt x="92572" y="33182"/>
+                  <a:pt x="92572" y="54313"/>
+                </a:cubicBezTo>
+                <a:cubicBezTo>
+                  <a:pt x="92572" y="75442"/>
+                  <a:pt x="75442" y="92572"/>
+                  <a:pt x="54313" y="92572"/>
+                </a:cubicBezTo>
+                <a:cubicBezTo>
+                  <a:pt x="33182" y="92572"/>
+                  <a:pt x="16053" y="75442"/>
+                  <a:pt x="16053" y="54313"/>
+                </a:cubicBezTo>
+                <a:cubicBezTo>
+                  <a:pt x="16074" y="33191"/>
+                  <a:pt x="33191" y="16074"/>
+                  <a:pt x="54313" y="16053"/>
+                </a:cubicBezTo>
+                <a:moveTo>
+                  <a:pt x="54313" y="0"/>
+                </a:moveTo>
+                <a:cubicBezTo>
+                  <a:pt x="24317" y="0"/>
+                  <a:pt x="0" y="24317"/>
+                  <a:pt x="0" y="54313"/>
+                </a:cubicBezTo>
+                <a:cubicBezTo>
+                  <a:pt x="0" y="84309"/>
+                  <a:pt x="24317" y="108625"/>
+                  <a:pt x="54313" y="108625"/>
+                </a:cubicBezTo>
+                <a:cubicBezTo>
+                  <a:pt x="84309" y="108625"/>
+                  <a:pt x="108625" y="84309"/>
+                  <a:pt x="108625" y="54313"/>
+                </a:cubicBezTo>
+                <a:cubicBezTo>
+                  <a:pt x="108625" y="24317"/>
+                  <a:pt x="84309" y="0"/>
+                  <a:pt x="54313" y="0"/>
+                </a:cubicBezTo>
+                <a:close/>
+              </a:path>
+            </a:pathLst>
+          </a:custGeom>
+          <a:solidFill>
+            <a:srgbClr val="FFFFFF"/>
+          </a:solidFill>
+          <a:ln w="516" cap="flat">
+            <a:noFill/>
+            <a:prstDash val="solid"/>
+            <a:miter/>
+          </a:ln>
+        </p:spPr>
+        <p:txBody>
+          <a:bodyPr rtlCol="0" anchor="ctr"/>
+          <a:lstStyle/>
+          <a:p>
+            <a:pPr marL="0" marR="0" lvl="0" indent="0" algn="l" defTabSz="914400" rtl="0" eaLnBrk="1" fontAlgn="auto" latinLnBrk="0" hangingPunct="1">
+              <a:lnSpc>
+                <a:spcPct val="100000"/>
+              </a:lnSpc>
+              <a:spcBef>
+                <a:spcPts val="0"/>
+              </a:spcBef>
+              <a:spcAft>
+                <a:spcPts val="0"/>
+              </a:spcAft>
+              <a:buClrTx/>
+              <a:buSzTx/>
+              <a:buFontTx/>
+              <a:buNone/>
+              <a:tabLst/>
+              <a:defRPr/>
+            </a:pPr>
+            <a:endParaRPr kumimoji="0" lang="en-US" sz="1800" b="0" i="0" u="none" strike="noStrike" kern="1200" cap="none" spc="0" normalizeH="0" baseline="0" noProof="0">
+              <a:ln>
+                <a:noFill/>
+              </a:ln>
+              <a:solidFill>
+                <a:srgbClr val="FFFFFF"/>
+              </a:solidFill>
+              <a:effectLst/>
+              <a:uLnTx/>
+              <a:uFillTx/>
+              <a:latin typeface="Calibri" panose="020F0502020204030204"/>
+              <a:ea typeface="+mn-ea"/>
+              <a:cs typeface="+mn-cs"/>
+            </a:endParaRPr>
+          </a:p>
+        </p:txBody>
+      </p:sp>
+      <p:sp>
+        <p:nvSpPr>
+          <p:cNvPr id="25" name="Graphic 21">
+            <a:extLst>
+              <a:ext uri="{FF2B5EF4-FFF2-40B4-BE49-F238E27FC236}">
+                <a16:creationId xmlns="" xmlns:a16="http://schemas.microsoft.com/office/drawing/2014/main" id="{C39ADB8F-D187-49D7-BDCF-C1B6DC727068}"/>
+              </a:ext>
+              <a:ext uri="{C183D7F6-B498-43B3-948B-1728B52AA6E4}">
+                <adec:decorative xmlns="" xmlns:adec="http://schemas.microsoft.com/office/drawing/2017/decorative" val="1"/>
+              </a:ext>
+            </a:extLst>
+          </p:cNvPr>
+          <p:cNvSpPr>
+            <a:spLocks noGrp="1" noRot="1" noChangeAspect="1" noMove="1" noResize="1" noEditPoints="1" noAdjustHandles="1" noChangeArrowheads="1" noChangeShapeType="1" noTextEdit="1"/>
+          </p:cNvSpPr>
+          <p:nvPr>
+            <p:extLst>
+              <p:ext uri="{386F3935-93C4-4BCD-93E2-E3B085C9AB24}">
+                <p16:designElem xmlns="" xmlns:p16="http://schemas.microsoft.com/office/powerpoint/2015/main" val="1"/>
+              </p:ext>
+            </p:extLst>
+          </p:nvPr>
+        </p:nvSpPr>
+        <p:spPr>
+          <a:xfrm>
+            <a:off x="10554288" y="6238029"/>
+            <a:ext cx="95759" cy="95759"/>
+          </a:xfrm>
+          <a:custGeom>
+            <a:avLst/>
+            <a:gdLst>
+              <a:gd name="connsiteX0" fmla="*/ 95759 w 95759"/>
+              <a:gd name="connsiteY0" fmla="*/ 47880 h 95759"/>
+              <a:gd name="connsiteX1" fmla="*/ 47880 w 95759"/>
+              <a:gd name="connsiteY1" fmla="*/ 95759 h 95759"/>
+              <a:gd name="connsiteX2" fmla="*/ 0 w 95759"/>
+              <a:gd name="connsiteY2" fmla="*/ 47880 h 95759"/>
+              <a:gd name="connsiteX3" fmla="*/ 47880 w 95759"/>
+              <a:gd name="connsiteY3" fmla="*/ 0 h 95759"/>
+              <a:gd name="connsiteX4" fmla="*/ 95759 w 95759"/>
+              <a:gd name="connsiteY4" fmla="*/ 47880 h 95759"/>
+            </a:gdLst>
+            <a:ahLst/>
+            <a:cxnLst>
+              <a:cxn ang="0">
+                <a:pos x="connsiteX0" y="connsiteY0"/>
+              </a:cxn>
+              <a:cxn ang="0">
+                <a:pos x="connsiteX1" y="connsiteY1"/>
+              </a:cxn>
+              <a:cxn ang="0">
+                <a:pos x="connsiteX2" y="connsiteY2"/>
+              </a:cxn>
+              <a:cxn ang="0">
+                <a:pos x="connsiteX3" y="connsiteY3"/>
+              </a:cxn>
+              <a:cxn ang="0">
+                <a:pos x="connsiteX4" y="connsiteY4"/>
+              </a:cxn>
+            </a:cxnLst>
+            <a:rect l="l" t="t" r="r" b="b"/>
+            <a:pathLst>
+              <a:path w="95759" h="95759">
+                <a:moveTo>
+                  <a:pt x="95759" y="47880"/>
+                </a:moveTo>
+                <a:cubicBezTo>
+                  <a:pt x="95759" y="74323"/>
+                  <a:pt x="74323" y="95759"/>
+                  <a:pt x="47880" y="95759"/>
+                </a:cubicBezTo>
+                <a:cubicBezTo>
+                  <a:pt x="21436" y="95759"/>
+                  <a:pt x="0" y="74323"/>
+                  <a:pt x="0" y="47880"/>
+                </a:cubicBezTo>
+                <a:cubicBezTo>
+                  <a:pt x="0" y="21436"/>
+                  <a:pt x="21436" y="0"/>
+                  <a:pt x="47880" y="0"/>
+                </a:cubicBezTo>
+                <a:cubicBezTo>
+                  <a:pt x="74323" y="0"/>
+                  <a:pt x="95759" y="21436"/>
+                  <a:pt x="95759" y="47880"/>
+                </a:cubicBezTo>
+                <a:close/>
+              </a:path>
+            </a:pathLst>
+          </a:custGeom>
+          <a:solidFill>
+            <a:srgbClr val="FFFFFF"/>
+          </a:solidFill>
+          <a:ln w="469" cap="flat">
+            <a:noFill/>
+            <a:prstDash val="solid"/>
+            <a:miter/>
+          </a:ln>
+        </p:spPr>
+        <p:txBody>
+          <a:bodyPr rtlCol="0" anchor="ctr"/>
+          <a:lstStyle/>
+          <a:p>
+            <a:pPr marL="0" marR="0" lvl="0" indent="0" algn="l" defTabSz="914400" rtl="0" eaLnBrk="1" fontAlgn="auto" latinLnBrk="0" hangingPunct="1">
+              <a:lnSpc>
+                <a:spcPct val="100000"/>
+              </a:lnSpc>
+              <a:spcBef>
+                <a:spcPts val="0"/>
+              </a:spcBef>
+              <a:spcAft>
+                <a:spcPts val="0"/>
+              </a:spcAft>
+              <a:buClrTx/>
+              <a:buSzTx/>
+              <a:buFontTx/>
+              <a:buNone/>
+              <a:tabLst/>
+              <a:defRPr/>
+            </a:pPr>
+            <a:endParaRPr kumimoji="0" lang="en-US" sz="1800" b="0" i="0" u="none" strike="noStrike" kern="1200" cap="none" spc="0" normalizeH="0" baseline="0" noProof="0">
+              <a:ln>
+                <a:noFill/>
+              </a:ln>
+              <a:solidFill>
+                <a:srgbClr val="FFFFFF"/>
+              </a:solidFill>
+              <a:effectLst/>
+              <a:uLnTx/>
+              <a:uFillTx/>
+              <a:latin typeface="Calibri" panose="020F0502020204030204"/>
+              <a:ea typeface="+mn-ea"/>
+              <a:cs typeface="+mn-cs"/>
+            </a:endParaRPr>
+          </a:p>
+        </p:txBody>
+      </p:sp>
+    </p:spTree>
+    <p:extLst>
+      <p:ext uri="{BB962C8B-B14F-4D97-AF65-F5344CB8AC3E}">
+        <p14:creationId xmlns="" xmlns:p14="http://schemas.microsoft.com/office/powerpoint/2010/main" val="3267242367"/>
+      </p:ext>
+    </p:extLst>
   </p:cSld>
   <p:clrMapOvr>
     <a:masterClrMapping/>
@@ -9921,7 +10040,7 @@
     </p:spTree>
     <p:extLst>
       <p:ext uri="{BB962C8B-B14F-4D97-AF65-F5344CB8AC3E}">
-        <p14:creationId xmlns:p14="http://schemas.microsoft.com/office/powerpoint/2010/main" xmlns="" val="2566529196"/>
+        <p14:creationId xmlns="" xmlns:p14="http://schemas.microsoft.com/office/powerpoint/2010/main" val="2566529196"/>
       </p:ext>
     </p:extLst>
   </p:cSld>
@@ -10235,7 +10354,7 @@
     </p:spTree>
     <p:extLst>
       <p:ext uri="{BB962C8B-B14F-4D97-AF65-F5344CB8AC3E}">
-        <p14:creationId xmlns:p14="http://schemas.microsoft.com/office/powerpoint/2010/main" xmlns="" val="23491449"/>
+        <p14:creationId xmlns="" xmlns:p14="http://schemas.microsoft.com/office/powerpoint/2010/main" val="23491449"/>
       </p:ext>
     </p:extLst>
   </p:cSld>
@@ -10431,7 +10550,7 @@
           <p:cNvPr id="2" name="Title 1">
             <a:extLst>
               <a:ext uri="{FF2B5EF4-FFF2-40B4-BE49-F238E27FC236}">
-                <a16:creationId xmlns:a16="http://schemas.microsoft.com/office/drawing/2014/main" xmlns="" id="{72CCE471-AAD1-80AE-8443-829718FB0CA9}"/>
+                <a16:creationId xmlns="" xmlns:a16="http://schemas.microsoft.com/office/drawing/2014/main" id="{72CCE471-AAD1-80AE-8443-829718FB0CA9}"/>
               </a:ext>
             </a:extLst>
           </p:cNvPr>
@@ -10648,7 +10767,7 @@
     </p:spTree>
     <p:extLst>
       <p:ext uri="{BB962C8B-B14F-4D97-AF65-F5344CB8AC3E}">
-        <p14:creationId xmlns:p14="http://schemas.microsoft.com/office/powerpoint/2010/main" xmlns="" val="1051661922"/>
+        <p14:creationId xmlns="" xmlns:p14="http://schemas.microsoft.com/office/powerpoint/2010/main" val="1051661922"/>
       </p:ext>
     </p:extLst>
   </p:cSld>
@@ -10836,7 +10955,7 @@
     </p:spTree>
     <p:extLst>
       <p:ext uri="{BB962C8B-B14F-4D97-AF65-F5344CB8AC3E}">
-        <p14:creationId xmlns:p14="http://schemas.microsoft.com/office/powerpoint/2010/main" xmlns="" val="1051661922"/>
+        <p14:creationId xmlns="" xmlns:p14="http://schemas.microsoft.com/office/powerpoint/2010/main" val="1051661922"/>
       </p:ext>
     </p:extLst>
   </p:cSld>
@@ -11091,7 +11210,7 @@
     </p:spTree>
     <p:extLst>
       <p:ext uri="{BB962C8B-B14F-4D97-AF65-F5344CB8AC3E}">
-        <p14:creationId xmlns:p14="http://schemas.microsoft.com/office/powerpoint/2010/main" xmlns="" val="2842206008"/>
+        <p14:creationId xmlns="" xmlns:p14="http://schemas.microsoft.com/office/powerpoint/2010/main" val="2842206008"/>
       </p:ext>
     </p:extLst>
   </p:cSld>
@@ -11390,7 +11509,7 @@
   <a:extraClrSchemeLst/>
   <a:extLst>
     <a:ext uri="{05A4C25C-085E-4340-85A3-A5531E510DB2}">
-      <thm15:themeFamily xmlns:thm15="http://schemas.microsoft.com/office/thememl/2012/main" xmlns="" name="Office Theme" id="{62F939B6-93AF-4DB8-9C6B-D6C7DFDC589F}" vid="{4A3C46E8-61CC-4603-A589-7422A47A8E4A}"/>
+      <thm15:themeFamily xmlns="" xmlns:thm15="http://schemas.microsoft.com/office/thememl/2012/main" name="Office Theme" id="{62F939B6-93AF-4DB8-9C6B-D6C7DFDC589F}" vid="{4A3C46E8-61CC-4603-A589-7422A47A8E4A}"/>
     </a:ext>
   </a:extLst>
 </a:theme>
